--- a/dlai-misc/slidesReplica.pptx
+++ b/dlai-misc/slidesReplica.pptx
@@ -7,6 +7,14 @@
   <p:sldIdLst>
     <p:sldId id="256" r:id="rId3"/>
     <p:sldId id="257" r:id="rId4"/>
+    <p:sldId id="258" r:id="rId5"/>
+    <p:sldId id="259" r:id="rId6"/>
+    <p:sldId id="260" r:id="rId7"/>
+    <p:sldId id="261" r:id="rId8"/>
+    <p:sldId id="262" r:id="rId9"/>
+    <p:sldId id="263" r:id="rId10"/>
+    <p:sldId id="264" r:id="rId11"/>
+    <p:sldId id="265" r:id="rId12"/>
   </p:sldIdLst>
   <p:sldSz cx="10080625" cy="7559675"/>
   <p:notesSz cx="7772400" cy="10058400"/>
@@ -54,7 +62,7 @@
       </p:grpSpPr>
       <p:sp>
         <p:nvSpPr>
-          <p:cNvPr id="26" name="PlaceHolder 1"/>
+          <p:cNvPr id="23" name="PlaceHolder 1"/>
           <p:cNvSpPr>
             <a:spLocks noGrp="1"/>
           </p:cNvSpPr>
@@ -65,7 +73,7 @@
         <p:spPr>
           <a:xfrm>
             <a:off x="504000" y="301320"/>
-            <a:ext cx="9071640" cy="1262160"/>
+            <a:ext cx="9071280" cy="1261800"/>
           </a:xfrm>
           <a:prstGeom prst="rect">
             <a:avLst/>
@@ -91,7 +99,7 @@
       </p:sp>
       <p:sp>
         <p:nvSpPr>
-          <p:cNvPr id="27" name="PlaceHolder 2"/>
+          <p:cNvPr id="24" name="PlaceHolder 2"/>
           <p:cNvSpPr>
             <a:spLocks noGrp="1"/>
           </p:cNvSpPr>
@@ -101,8 +109,8 @@
         </p:nvSpPr>
         <p:spPr>
           <a:xfrm>
-            <a:off x="504000" y="1769040"/>
-            <a:ext cx="9071640" cy="2091240"/>
+            <a:off x="504000" y="1768680"/>
+            <a:ext cx="9072000" cy="2090880"/>
           </a:xfrm>
           <a:prstGeom prst="rect">
             <a:avLst/>
@@ -127,7 +135,7 @@
       </p:sp>
       <p:sp>
         <p:nvSpPr>
-          <p:cNvPr id="28" name="PlaceHolder 3"/>
+          <p:cNvPr id="25" name="PlaceHolder 3"/>
           <p:cNvSpPr>
             <a:spLocks noGrp="1"/>
           </p:cNvSpPr>
@@ -137,8 +145,8 @@
         </p:nvSpPr>
         <p:spPr>
           <a:xfrm>
-            <a:off x="504000" y="4059360"/>
-            <a:ext cx="9071640" cy="2091240"/>
+            <a:off x="504000" y="4058640"/>
+            <a:ext cx="9072000" cy="2090880"/>
           </a:xfrm>
           <a:prstGeom prst="rect">
             <a:avLst/>
@@ -185,7 +193,7 @@
       </p:grpSpPr>
       <p:sp>
         <p:nvSpPr>
-          <p:cNvPr id="29" name="PlaceHolder 1"/>
+          <p:cNvPr id="26" name="PlaceHolder 1"/>
           <p:cNvSpPr>
             <a:spLocks noGrp="1"/>
           </p:cNvSpPr>
@@ -196,7 +204,7 @@
         <p:spPr>
           <a:xfrm>
             <a:off x="504000" y="301320"/>
-            <a:ext cx="9071640" cy="1262160"/>
+            <a:ext cx="9071280" cy="1261800"/>
           </a:xfrm>
           <a:prstGeom prst="rect">
             <a:avLst/>
@@ -222,7 +230,7 @@
       </p:sp>
       <p:sp>
         <p:nvSpPr>
-          <p:cNvPr id="30" name="PlaceHolder 2"/>
+          <p:cNvPr id="27" name="PlaceHolder 2"/>
           <p:cNvSpPr>
             <a:spLocks noGrp="1"/>
           </p:cNvSpPr>
@@ -232,8 +240,8 @@
         </p:nvSpPr>
         <p:spPr>
           <a:xfrm>
-            <a:off x="504000" y="1769040"/>
-            <a:ext cx="4426920" cy="2091240"/>
+            <a:off x="504000" y="1768680"/>
+            <a:ext cx="4426920" cy="2090880"/>
           </a:xfrm>
           <a:prstGeom prst="rect">
             <a:avLst/>
@@ -258,7 +266,7 @@
       </p:sp>
       <p:sp>
         <p:nvSpPr>
-          <p:cNvPr id="31" name="PlaceHolder 3"/>
+          <p:cNvPr id="28" name="PlaceHolder 3"/>
           <p:cNvSpPr>
             <a:spLocks noGrp="1"/>
           </p:cNvSpPr>
@@ -268,8 +276,8 @@
         </p:nvSpPr>
         <p:spPr>
           <a:xfrm>
-            <a:off x="5152680" y="1769040"/>
-            <a:ext cx="4426920" cy="2091240"/>
+            <a:off x="5152680" y="1768680"/>
+            <a:ext cx="4426920" cy="2090880"/>
           </a:xfrm>
           <a:prstGeom prst="rect">
             <a:avLst/>
@@ -294,7 +302,7 @@
       </p:sp>
       <p:sp>
         <p:nvSpPr>
-          <p:cNvPr id="32" name="PlaceHolder 4"/>
+          <p:cNvPr id="29" name="PlaceHolder 4"/>
           <p:cNvSpPr>
             <a:spLocks noGrp="1"/>
           </p:cNvSpPr>
@@ -304,8 +312,8 @@
         </p:nvSpPr>
         <p:spPr>
           <a:xfrm>
-            <a:off x="5152680" y="4059360"/>
-            <a:ext cx="4426920" cy="2091240"/>
+            <a:off x="5152680" y="4058640"/>
+            <a:ext cx="4426920" cy="2090880"/>
           </a:xfrm>
           <a:prstGeom prst="rect">
             <a:avLst/>
@@ -330,7 +338,7 @@
       </p:sp>
       <p:sp>
         <p:nvSpPr>
-          <p:cNvPr id="33" name="PlaceHolder 5"/>
+          <p:cNvPr id="30" name="PlaceHolder 5"/>
           <p:cNvSpPr>
             <a:spLocks noGrp="1"/>
           </p:cNvSpPr>
@@ -340,8 +348,8 @@
         </p:nvSpPr>
         <p:spPr>
           <a:xfrm>
-            <a:off x="504000" y="4059360"/>
-            <a:ext cx="4426920" cy="2091240"/>
+            <a:off x="504000" y="4058640"/>
+            <a:ext cx="4426920" cy="2090880"/>
           </a:xfrm>
           <a:prstGeom prst="rect">
             <a:avLst/>
@@ -388,7 +396,7 @@
       </p:grpSpPr>
       <p:sp>
         <p:nvSpPr>
-          <p:cNvPr id="34" name="PlaceHolder 1"/>
+          <p:cNvPr id="31" name="PlaceHolder 1"/>
           <p:cNvSpPr>
             <a:spLocks noGrp="1"/>
           </p:cNvSpPr>
@@ -399,7 +407,7 @@
         <p:spPr>
           <a:xfrm>
             <a:off x="504000" y="301320"/>
-            <a:ext cx="9071640" cy="1262160"/>
+            <a:ext cx="9071280" cy="1261800"/>
           </a:xfrm>
           <a:prstGeom prst="rect">
             <a:avLst/>
@@ -425,7 +433,7 @@
       </p:sp>
       <p:sp>
         <p:nvSpPr>
-          <p:cNvPr id="35" name="PlaceHolder 2"/>
+          <p:cNvPr id="32" name="PlaceHolder 2"/>
           <p:cNvSpPr>
             <a:spLocks noGrp="1"/>
           </p:cNvSpPr>
@@ -435,8 +443,8 @@
         </p:nvSpPr>
         <p:spPr>
           <a:xfrm>
-            <a:off x="504000" y="1769040"/>
-            <a:ext cx="9071640" cy="4384440"/>
+            <a:off x="504000" y="1768680"/>
+            <a:ext cx="9072000" cy="4384080"/>
           </a:xfrm>
           <a:prstGeom prst="rect">
             <a:avLst/>
@@ -461,7 +469,7 @@
       </p:sp>
       <p:sp>
         <p:nvSpPr>
-          <p:cNvPr id="36" name="PlaceHolder 3"/>
+          <p:cNvPr id="33" name="PlaceHolder 3"/>
           <p:cNvSpPr>
             <a:spLocks noGrp="1"/>
           </p:cNvSpPr>
@@ -471,8 +479,8 @@
         </p:nvSpPr>
         <p:spPr>
           <a:xfrm>
-            <a:off x="504000" y="1769040"/>
-            <a:ext cx="9071640" cy="4384440"/>
+            <a:off x="504000" y="1768680"/>
+            <a:ext cx="9072000" cy="4384080"/>
           </a:xfrm>
           <a:prstGeom prst="rect">
             <a:avLst/>
@@ -497,7 +505,7 @@
       </p:sp>
       <p:pic>
         <p:nvPicPr>
-          <p:cNvPr id="37" name="" descr=""/>
+          <p:cNvPr id="34" name="" descr=""/>
           <p:cNvPicPr/>
           <p:nvPr/>
         </p:nvPicPr>
@@ -507,8 +515,8 @@
         </p:blipFill>
         <p:spPr>
           <a:xfrm>
-            <a:off x="2292120" y="1768680"/>
-            <a:ext cx="5495040" cy="4384440"/>
+            <a:off x="2292480" y="1768680"/>
+            <a:ext cx="5494680" cy="4384080"/>
           </a:xfrm>
           <a:prstGeom prst="rect">
             <a:avLst/>
@@ -520,7 +528,7 @@
       </p:pic>
       <p:pic>
         <p:nvPicPr>
-          <p:cNvPr id="38" name="" descr=""/>
+          <p:cNvPr id="35" name="" descr=""/>
           <p:cNvPicPr/>
           <p:nvPr/>
         </p:nvPicPr>
@@ -530,8 +538,8 @@
         </p:blipFill>
         <p:spPr>
           <a:xfrm>
-            <a:off x="2292120" y="1768680"/>
-            <a:ext cx="5495040" cy="4384440"/>
+            <a:off x="2292480" y="1768680"/>
+            <a:ext cx="5494680" cy="4384080"/>
           </a:xfrm>
           <a:prstGeom prst="rect">
             <a:avLst/>
@@ -565,7 +573,7 @@
       </p:grpSpPr>
       <p:sp>
         <p:nvSpPr>
-          <p:cNvPr id="5" name="PlaceHolder 1"/>
+          <p:cNvPr id="2" name="PlaceHolder 1"/>
           <p:cNvSpPr>
             <a:spLocks noGrp="1"/>
           </p:cNvSpPr>
@@ -576,7 +584,7 @@
         <p:spPr>
           <a:xfrm>
             <a:off x="504000" y="301320"/>
-            <a:ext cx="9071640" cy="1262160"/>
+            <a:ext cx="9071280" cy="1261800"/>
           </a:xfrm>
           <a:prstGeom prst="rect">
             <a:avLst/>
@@ -602,7 +610,7 @@
       </p:sp>
       <p:sp>
         <p:nvSpPr>
-          <p:cNvPr id="6" name="PlaceHolder 2"/>
+          <p:cNvPr id="3" name="PlaceHolder 2"/>
           <p:cNvSpPr>
             <a:spLocks noGrp="1"/>
           </p:cNvSpPr>
@@ -612,8 +620,8 @@
         </p:nvSpPr>
         <p:spPr>
           <a:xfrm>
-            <a:off x="504000" y="1769040"/>
-            <a:ext cx="9071640" cy="4384440"/>
+            <a:off x="504000" y="1768680"/>
+            <a:ext cx="9072000" cy="4384080"/>
           </a:xfrm>
           <a:prstGeom prst="rect">
             <a:avLst/>
@@ -661,7 +669,7 @@
       </p:grpSpPr>
       <p:sp>
         <p:nvSpPr>
-          <p:cNvPr id="7" name="PlaceHolder 1"/>
+          <p:cNvPr id="4" name="PlaceHolder 1"/>
           <p:cNvSpPr>
             <a:spLocks noGrp="1"/>
           </p:cNvSpPr>
@@ -672,7 +680,7 @@
         <p:spPr>
           <a:xfrm>
             <a:off x="504000" y="301320"/>
-            <a:ext cx="9071640" cy="1262160"/>
+            <a:ext cx="9071280" cy="1261800"/>
           </a:xfrm>
           <a:prstGeom prst="rect">
             <a:avLst/>
@@ -698,7 +706,7 @@
       </p:sp>
       <p:sp>
         <p:nvSpPr>
-          <p:cNvPr id="8" name="PlaceHolder 2"/>
+          <p:cNvPr id="5" name="PlaceHolder 2"/>
           <p:cNvSpPr>
             <a:spLocks noGrp="1"/>
           </p:cNvSpPr>
@@ -708,8 +716,8 @@
         </p:nvSpPr>
         <p:spPr>
           <a:xfrm>
-            <a:off x="504000" y="1769040"/>
-            <a:ext cx="9071640" cy="4384440"/>
+            <a:off x="504000" y="1768680"/>
+            <a:ext cx="9072000" cy="4384080"/>
           </a:xfrm>
           <a:prstGeom prst="rect">
             <a:avLst/>
@@ -756,7 +764,7 @@
       </p:grpSpPr>
       <p:sp>
         <p:nvSpPr>
-          <p:cNvPr id="9" name="PlaceHolder 1"/>
+          <p:cNvPr id="6" name="PlaceHolder 1"/>
           <p:cNvSpPr>
             <a:spLocks noGrp="1"/>
           </p:cNvSpPr>
@@ -767,7 +775,7 @@
         <p:spPr>
           <a:xfrm>
             <a:off x="504000" y="301320"/>
-            <a:ext cx="9071640" cy="1262160"/>
+            <a:ext cx="9071280" cy="1261800"/>
           </a:xfrm>
           <a:prstGeom prst="rect">
             <a:avLst/>
@@ -793,7 +801,7 @@
       </p:sp>
       <p:sp>
         <p:nvSpPr>
-          <p:cNvPr id="10" name="PlaceHolder 2"/>
+          <p:cNvPr id="7" name="PlaceHolder 2"/>
           <p:cNvSpPr>
             <a:spLocks noGrp="1"/>
           </p:cNvSpPr>
@@ -803,8 +811,8 @@
         </p:nvSpPr>
         <p:spPr>
           <a:xfrm>
-            <a:off x="504000" y="1769040"/>
-            <a:ext cx="4426920" cy="4384440"/>
+            <a:off x="504000" y="1768680"/>
+            <a:ext cx="4426920" cy="4384080"/>
           </a:xfrm>
           <a:prstGeom prst="rect">
             <a:avLst/>
@@ -829,7 +837,7 @@
       </p:sp>
       <p:sp>
         <p:nvSpPr>
-          <p:cNvPr id="11" name="PlaceHolder 3"/>
+          <p:cNvPr id="8" name="PlaceHolder 3"/>
           <p:cNvSpPr>
             <a:spLocks noGrp="1"/>
           </p:cNvSpPr>
@@ -839,8 +847,8 @@
         </p:nvSpPr>
         <p:spPr>
           <a:xfrm>
-            <a:off x="5152680" y="1769040"/>
-            <a:ext cx="4426920" cy="4384440"/>
+            <a:off x="5152680" y="1768680"/>
+            <a:ext cx="4426920" cy="4384080"/>
           </a:xfrm>
           <a:prstGeom prst="rect">
             <a:avLst/>
@@ -887,7 +895,7 @@
       </p:grpSpPr>
       <p:sp>
         <p:nvSpPr>
-          <p:cNvPr id="12" name="PlaceHolder 1"/>
+          <p:cNvPr id="9" name="PlaceHolder 1"/>
           <p:cNvSpPr>
             <a:spLocks noGrp="1"/>
           </p:cNvSpPr>
@@ -898,7 +906,7 @@
         <p:spPr>
           <a:xfrm>
             <a:off x="504000" y="301320"/>
-            <a:ext cx="9071640" cy="1262160"/>
+            <a:ext cx="9071280" cy="1261800"/>
           </a:xfrm>
           <a:prstGeom prst="rect">
             <a:avLst/>
@@ -946,7 +954,7 @@
       </p:grpSpPr>
       <p:sp>
         <p:nvSpPr>
-          <p:cNvPr id="13" name="PlaceHolder 1"/>
+          <p:cNvPr id="10" name="PlaceHolder 1"/>
           <p:cNvSpPr>
             <a:spLocks noGrp="1"/>
           </p:cNvSpPr>
@@ -957,7 +965,7 @@
         <p:spPr>
           <a:xfrm>
             <a:off x="504000" y="301320"/>
-            <a:ext cx="9071640" cy="5851800"/>
+            <a:ext cx="9071280" cy="5850360"/>
           </a:xfrm>
           <a:prstGeom prst="rect">
             <a:avLst/>
@@ -1005,7 +1013,7 @@
       </p:grpSpPr>
       <p:sp>
         <p:nvSpPr>
-          <p:cNvPr id="14" name="PlaceHolder 1"/>
+          <p:cNvPr id="11" name="PlaceHolder 1"/>
           <p:cNvSpPr>
             <a:spLocks noGrp="1"/>
           </p:cNvSpPr>
@@ -1016,7 +1024,7 @@
         <p:spPr>
           <a:xfrm>
             <a:off x="504000" y="301320"/>
-            <a:ext cx="9071640" cy="1262160"/>
+            <a:ext cx="9071280" cy="1261800"/>
           </a:xfrm>
           <a:prstGeom prst="rect">
             <a:avLst/>
@@ -1042,7 +1050,7 @@
       </p:sp>
       <p:sp>
         <p:nvSpPr>
-          <p:cNvPr id="15" name="PlaceHolder 2"/>
+          <p:cNvPr id="12" name="PlaceHolder 2"/>
           <p:cNvSpPr>
             <a:spLocks noGrp="1"/>
           </p:cNvSpPr>
@@ -1052,8 +1060,8 @@
         </p:nvSpPr>
         <p:spPr>
           <a:xfrm>
-            <a:off x="504000" y="1769040"/>
-            <a:ext cx="4426920" cy="2091240"/>
+            <a:off x="504000" y="1768680"/>
+            <a:ext cx="4426920" cy="2090880"/>
           </a:xfrm>
           <a:prstGeom prst="rect">
             <a:avLst/>
@@ -1078,7 +1086,7 @@
       </p:sp>
       <p:sp>
         <p:nvSpPr>
-          <p:cNvPr id="16" name="PlaceHolder 3"/>
+          <p:cNvPr id="13" name="PlaceHolder 3"/>
           <p:cNvSpPr>
             <a:spLocks noGrp="1"/>
           </p:cNvSpPr>
@@ -1088,8 +1096,8 @@
         </p:nvSpPr>
         <p:spPr>
           <a:xfrm>
-            <a:off x="504000" y="4059360"/>
-            <a:ext cx="4426920" cy="2091240"/>
+            <a:off x="504000" y="4058640"/>
+            <a:ext cx="4426920" cy="2090880"/>
           </a:xfrm>
           <a:prstGeom prst="rect">
             <a:avLst/>
@@ -1114,7 +1122,7 @@
       </p:sp>
       <p:sp>
         <p:nvSpPr>
-          <p:cNvPr id="17" name="PlaceHolder 4"/>
+          <p:cNvPr id="14" name="PlaceHolder 4"/>
           <p:cNvSpPr>
             <a:spLocks noGrp="1"/>
           </p:cNvSpPr>
@@ -1124,8 +1132,8 @@
         </p:nvSpPr>
         <p:spPr>
           <a:xfrm>
-            <a:off x="5152680" y="1769040"/>
-            <a:ext cx="4426920" cy="4384440"/>
+            <a:off x="5152680" y="1768680"/>
+            <a:ext cx="4426920" cy="4384080"/>
           </a:xfrm>
           <a:prstGeom prst="rect">
             <a:avLst/>
@@ -1172,7 +1180,7 @@
       </p:grpSpPr>
       <p:sp>
         <p:nvSpPr>
-          <p:cNvPr id="18" name="PlaceHolder 1"/>
+          <p:cNvPr id="15" name="PlaceHolder 1"/>
           <p:cNvSpPr>
             <a:spLocks noGrp="1"/>
           </p:cNvSpPr>
@@ -1183,7 +1191,7 @@
         <p:spPr>
           <a:xfrm>
             <a:off x="504000" y="301320"/>
-            <a:ext cx="9071640" cy="1262160"/>
+            <a:ext cx="9071280" cy="1261800"/>
           </a:xfrm>
           <a:prstGeom prst="rect">
             <a:avLst/>
@@ -1209,7 +1217,7 @@
       </p:sp>
       <p:sp>
         <p:nvSpPr>
-          <p:cNvPr id="19" name="PlaceHolder 2"/>
+          <p:cNvPr id="16" name="PlaceHolder 2"/>
           <p:cNvSpPr>
             <a:spLocks noGrp="1"/>
           </p:cNvSpPr>
@@ -1219,8 +1227,8 @@
         </p:nvSpPr>
         <p:spPr>
           <a:xfrm>
-            <a:off x="504000" y="1769040"/>
-            <a:ext cx="4426920" cy="4384440"/>
+            <a:off x="504000" y="1768680"/>
+            <a:ext cx="4426920" cy="4384080"/>
           </a:xfrm>
           <a:prstGeom prst="rect">
             <a:avLst/>
@@ -1245,7 +1253,7 @@
       </p:sp>
       <p:sp>
         <p:nvSpPr>
-          <p:cNvPr id="20" name="PlaceHolder 3"/>
+          <p:cNvPr id="17" name="PlaceHolder 3"/>
           <p:cNvSpPr>
             <a:spLocks noGrp="1"/>
           </p:cNvSpPr>
@@ -1255,8 +1263,8 @@
         </p:nvSpPr>
         <p:spPr>
           <a:xfrm>
-            <a:off x="5152680" y="1769040"/>
-            <a:ext cx="4426920" cy="2091240"/>
+            <a:off x="5152680" y="1768680"/>
+            <a:ext cx="4426920" cy="2090880"/>
           </a:xfrm>
           <a:prstGeom prst="rect">
             <a:avLst/>
@@ -1281,7 +1289,7 @@
       </p:sp>
       <p:sp>
         <p:nvSpPr>
-          <p:cNvPr id="21" name="PlaceHolder 4"/>
+          <p:cNvPr id="18" name="PlaceHolder 4"/>
           <p:cNvSpPr>
             <a:spLocks noGrp="1"/>
           </p:cNvSpPr>
@@ -1291,8 +1299,8 @@
         </p:nvSpPr>
         <p:spPr>
           <a:xfrm>
-            <a:off x="5152680" y="4059360"/>
-            <a:ext cx="4426920" cy="2091240"/>
+            <a:off x="5152680" y="4058640"/>
+            <a:ext cx="4426920" cy="2090880"/>
           </a:xfrm>
           <a:prstGeom prst="rect">
             <a:avLst/>
@@ -1339,7 +1347,7 @@
       </p:grpSpPr>
       <p:sp>
         <p:nvSpPr>
-          <p:cNvPr id="22" name="PlaceHolder 1"/>
+          <p:cNvPr id="19" name="PlaceHolder 1"/>
           <p:cNvSpPr>
             <a:spLocks noGrp="1"/>
           </p:cNvSpPr>
@@ -1350,7 +1358,7 @@
         <p:spPr>
           <a:xfrm>
             <a:off x="504000" y="301320"/>
-            <a:ext cx="9071640" cy="1262160"/>
+            <a:ext cx="9071280" cy="1261800"/>
           </a:xfrm>
           <a:prstGeom prst="rect">
             <a:avLst/>
@@ -1376,7 +1384,7 @@
       </p:sp>
       <p:sp>
         <p:nvSpPr>
-          <p:cNvPr id="23" name="PlaceHolder 2"/>
+          <p:cNvPr id="20" name="PlaceHolder 2"/>
           <p:cNvSpPr>
             <a:spLocks noGrp="1"/>
           </p:cNvSpPr>
@@ -1386,8 +1394,8 @@
         </p:nvSpPr>
         <p:spPr>
           <a:xfrm>
-            <a:off x="504000" y="1769040"/>
-            <a:ext cx="4426920" cy="2091240"/>
+            <a:off x="504000" y="1768680"/>
+            <a:ext cx="4426920" cy="2090880"/>
           </a:xfrm>
           <a:prstGeom prst="rect">
             <a:avLst/>
@@ -1412,7 +1420,7 @@
       </p:sp>
       <p:sp>
         <p:nvSpPr>
-          <p:cNvPr id="24" name="PlaceHolder 3"/>
+          <p:cNvPr id="21" name="PlaceHolder 3"/>
           <p:cNvSpPr>
             <a:spLocks noGrp="1"/>
           </p:cNvSpPr>
@@ -1422,8 +1430,8 @@
         </p:nvSpPr>
         <p:spPr>
           <a:xfrm>
-            <a:off x="5152680" y="1769040"/>
-            <a:ext cx="4426920" cy="2091240"/>
+            <a:off x="5152680" y="1768680"/>
+            <a:ext cx="4426920" cy="2090880"/>
           </a:xfrm>
           <a:prstGeom prst="rect">
             <a:avLst/>
@@ -1448,7 +1456,7 @@
       </p:sp>
       <p:sp>
         <p:nvSpPr>
-          <p:cNvPr id="25" name="PlaceHolder 4"/>
+          <p:cNvPr id="22" name="PlaceHolder 4"/>
           <p:cNvSpPr>
             <a:spLocks noGrp="1"/>
           </p:cNvSpPr>
@@ -1458,8 +1466,8 @@
         </p:nvSpPr>
         <p:spPr>
           <a:xfrm>
-            <a:off x="504000" y="4059360"/>
-            <a:ext cx="9071640" cy="2091240"/>
+            <a:off x="504000" y="4058640"/>
+            <a:ext cx="9072000" cy="2090880"/>
           </a:xfrm>
           <a:prstGeom prst="rect">
             <a:avLst/>
@@ -1517,7 +1525,7 @@
         <p:spPr>
           <a:xfrm>
             <a:off x="504000" y="301320"/>
-            <a:ext cx="9071640" cy="1262160"/>
+            <a:ext cx="9071280" cy="1261800"/>
           </a:xfrm>
           <a:prstGeom prst="rect">
             <a:avLst/>
@@ -1527,20 +1535,6 @@
           <a:bodyPr lIns="0" rIns="0" tIns="0" bIns="0" anchor="ctr"/>
           <a:p>
             <a:pPr algn="ctr"/>
-            <a:r>
-              <a:rPr b="0" lang="en-US" sz="4400" spc="-1" strike="noStrike">
-                <a:solidFill>
-                  <a:srgbClr val="000000"/>
-                </a:solidFill>
-                <a:uFill>
-                  <a:solidFill>
-                    <a:srgbClr val="ffffff"/>
-                  </a:solidFill>
-                </a:uFill>
-                <a:latin typeface="Arial"/>
-              </a:rPr>
-              <a:t>Click to edit the title text format</a:t>
-            </a:r>
             <a:endParaRPr b="0" lang="en-US" sz="4400" spc="-1" strike="noStrike">
               <a:solidFill>
                 <a:srgbClr val="000000"/>
@@ -1567,8 +1561,8 @@
         </p:nvSpPr>
         <p:spPr>
           <a:xfrm>
-            <a:off x="504000" y="1769040"/>
-            <a:ext cx="9071640" cy="4384440"/>
+            <a:off x="504000" y="1768680"/>
+            <a:ext cx="9072000" cy="4384080"/>
           </a:xfrm>
           <a:prstGeom prst="rect">
             <a:avLst/>
@@ -1819,158 +1813,6 @@
                 </a:solidFill>
               </a:uFill>
               <a:latin typeface="Arial"/>
-            </a:endParaRPr>
-          </a:p>
-        </p:txBody>
-      </p:sp>
-      <p:sp>
-        <p:nvSpPr>
-          <p:cNvPr id="2" name="PlaceHolder 3"/>
-          <p:cNvSpPr>
-            <a:spLocks noGrp="1"/>
-          </p:cNvSpPr>
-          <p:nvPr>
-            <p:ph type="dt"/>
-          </p:nvPr>
-        </p:nvSpPr>
-        <p:spPr>
-          <a:xfrm>
-            <a:off x="504000" y="6887160"/>
-            <a:ext cx="2348280" cy="521280"/>
-          </a:xfrm>
-          <a:prstGeom prst="rect">
-            <a:avLst/>
-          </a:prstGeom>
-        </p:spPr>
-        <p:txBody>
-          <a:bodyPr lIns="0" rIns="0" tIns="0" bIns="0"/>
-          <a:p>
-            <a:r>
-              <a:rPr b="0" lang="en-US" sz="1400" spc="-1" strike="noStrike">
-                <a:solidFill>
-                  <a:srgbClr val="000000"/>
-                </a:solidFill>
-                <a:uFill>
-                  <a:solidFill>
-                    <a:srgbClr val="ffffff"/>
-                  </a:solidFill>
-                </a:uFill>
-                <a:latin typeface="Times New Roman"/>
-              </a:rPr>
-              <a:t>&lt;date/time&gt;</a:t>
-            </a:r>
-            <a:endParaRPr b="0" lang="en-US" sz="1400" spc="-1" strike="noStrike">
-              <a:solidFill>
-                <a:srgbClr val="000000"/>
-              </a:solidFill>
-              <a:uFill>
-                <a:solidFill>
-                  <a:srgbClr val="ffffff"/>
-                </a:solidFill>
-              </a:uFill>
-              <a:latin typeface="Times New Roman"/>
-            </a:endParaRPr>
-          </a:p>
-        </p:txBody>
-      </p:sp>
-      <p:sp>
-        <p:nvSpPr>
-          <p:cNvPr id="3" name="PlaceHolder 4"/>
-          <p:cNvSpPr>
-            <a:spLocks noGrp="1"/>
-          </p:cNvSpPr>
-          <p:nvPr>
-            <p:ph type="ftr"/>
-          </p:nvPr>
-        </p:nvSpPr>
-        <p:spPr>
-          <a:xfrm>
-            <a:off x="3447360" y="6887160"/>
-            <a:ext cx="3195000" cy="521280"/>
-          </a:xfrm>
-          <a:prstGeom prst="rect">
-            <a:avLst/>
-          </a:prstGeom>
-        </p:spPr>
-        <p:txBody>
-          <a:bodyPr lIns="0" rIns="0" tIns="0" bIns="0"/>
-          <a:p>
-            <a:pPr algn="ctr"/>
-            <a:r>
-              <a:rPr b="0" lang="en-US" sz="1400" spc="-1" strike="noStrike">
-                <a:solidFill>
-                  <a:srgbClr val="000000"/>
-                </a:solidFill>
-                <a:uFill>
-                  <a:solidFill>
-                    <a:srgbClr val="ffffff"/>
-                  </a:solidFill>
-                </a:uFill>
-                <a:latin typeface="Times New Roman"/>
-              </a:rPr>
-              <a:t>&lt;footer&gt;</a:t>
-            </a:r>
-            <a:endParaRPr b="0" lang="en-US" sz="1400" spc="-1" strike="noStrike">
-              <a:solidFill>
-                <a:srgbClr val="000000"/>
-              </a:solidFill>
-              <a:uFill>
-                <a:solidFill>
-                  <a:srgbClr val="ffffff"/>
-                </a:solidFill>
-              </a:uFill>
-              <a:latin typeface="Times New Roman"/>
-            </a:endParaRPr>
-          </a:p>
-        </p:txBody>
-      </p:sp>
-      <p:sp>
-        <p:nvSpPr>
-          <p:cNvPr id="4" name="PlaceHolder 5"/>
-          <p:cNvSpPr>
-            <a:spLocks noGrp="1"/>
-          </p:cNvSpPr>
-          <p:nvPr>
-            <p:ph type="sldNum"/>
-          </p:nvPr>
-        </p:nvSpPr>
-        <p:spPr>
-          <a:xfrm>
-            <a:off x="7227360" y="6887160"/>
-            <a:ext cx="2348280" cy="521280"/>
-          </a:xfrm>
-          <a:prstGeom prst="rect">
-            <a:avLst/>
-          </a:prstGeom>
-        </p:spPr>
-        <p:txBody>
-          <a:bodyPr lIns="0" rIns="0" tIns="0" bIns="0"/>
-          <a:p>
-            <a:pPr algn="r"/>
-            <a:fld id="{2F22447F-BC07-43FB-9467-1DD85F71EE1E}" type="slidenum">
-              <a:rPr b="0" lang="en-US" sz="1400" spc="-1" strike="noStrike">
-                <a:solidFill>
-                  <a:srgbClr val="000000"/>
-                </a:solidFill>
-                <a:uFill>
-                  <a:solidFill>
-                    <a:srgbClr val="ffffff"/>
-                  </a:solidFill>
-                </a:uFill>
-                <a:latin typeface="Times New Roman"/>
-              </a:rPr>
-              <a:t>&lt;number&gt;</a:t>
-            </a:fld>
-            <a:endParaRPr b="0" lang="en-US" sz="1400" spc="-1" strike="noStrike">
-              <a:solidFill>
-                <a:srgbClr val="000000"/>
-              </a:solidFill>
-              <a:uFill>
-                <a:solidFill>
-                  <a:srgbClr val="ffffff"/>
-                </a:solidFill>
-              </a:uFill>
-              <a:latin typeface="Times New Roman"/>
             </a:endParaRPr>
           </a:p>
         </p:txBody>
@@ -2014,14 +1856,14 @@
       </p:grpSpPr>
       <p:sp>
         <p:nvSpPr>
-          <p:cNvPr id="39" name="TextShape 1"/>
-          <p:cNvSpPr txBox="1"/>
+          <p:cNvPr id="36" name="CustomShape 1"/>
+          <p:cNvSpPr/>
           <p:nvPr/>
         </p:nvSpPr>
         <p:spPr>
           <a:xfrm>
             <a:off x="504000" y="301320"/>
-            <a:ext cx="9071640" cy="1262160"/>
+            <a:ext cx="9071280" cy="1261800"/>
           </a:xfrm>
           <a:prstGeom prst="rect">
             <a:avLst/>
@@ -2031,10 +1873,20 @@
             <a:noFill/>
           </a:ln>
         </p:spPr>
+        <p:style>
+          <a:lnRef idx="0"/>
+          <a:fillRef idx="0"/>
+          <a:effectRef idx="0"/>
+          <a:fontRef idx="minor"/>
+        </p:style>
         <p:txBody>
           <a:bodyPr lIns="0" rIns="0" tIns="0" bIns="0" anchor="ctr"/>
           <a:p>
-            <a:pPr algn="ctr"/>
+            <a:pPr algn="ctr">
+              <a:lnSpc>
+                <a:spcPct val="100000"/>
+              </a:lnSpc>
+            </a:pPr>
             <a:r>
               <a:rPr b="0" lang="en-US" sz="4400" spc="-1" strike="noStrike">
                 <a:solidFill>
@@ -2049,7 +1901,7 @@
               </a:rPr>
               <a:t>Replica - cycleGAN</a:t>
             </a:r>
-            <a:endParaRPr b="0" lang="en-US" sz="4400" spc="-1" strike="noStrike">
+            <a:endParaRPr b="0" lang="en-US" sz="1800" spc="-1" strike="noStrike">
               <a:solidFill>
                 <a:srgbClr val="000000"/>
               </a:solidFill>
@@ -2065,14 +1917,14 @@
       </p:sp>
       <p:sp>
         <p:nvSpPr>
-          <p:cNvPr id="40" name="TextShape 2"/>
-          <p:cNvSpPr txBox="1"/>
+          <p:cNvPr id="37" name="CustomShape 2"/>
+          <p:cNvSpPr/>
           <p:nvPr/>
         </p:nvSpPr>
         <p:spPr>
           <a:xfrm>
             <a:off x="504000" y="1454400"/>
-            <a:ext cx="9071640" cy="5013720"/>
+            <a:ext cx="9071280" cy="5013360"/>
           </a:xfrm>
           <a:prstGeom prst="rect">
             <a:avLst/>
@@ -2082,6 +1934,12 @@
             <a:noFill/>
           </a:ln>
         </p:spPr>
+        <p:style>
+          <a:lnRef idx="0"/>
+          <a:fillRef idx="0"/>
+          <a:effectRef idx="0"/>
+          <a:fontRef idx="minor"/>
+        </p:style>
         <p:txBody>
           <a:bodyPr lIns="0" rIns="0" tIns="0" bIns="0" anchor="ctr"/>
           <a:p>
@@ -2111,34 +1969,70 @@
                 </a:uFill>
                 <a:latin typeface="Arial"/>
               </a:rPr>
-              <a:t>Goal: use the state-of-the art technique but with new domain (faces and caricatures)</a:t>
-            </a:r>
-            <a:endParaRPr b="0" lang="en-US" sz="3200" spc="-1" strike="noStrike">
-              <a:solidFill>
-                <a:srgbClr val="000000"/>
-              </a:solidFill>
-              <a:uFill>
-                <a:solidFill>
-                  <a:srgbClr val="ffffff"/>
-                </a:solidFill>
-              </a:uFill>
-              <a:latin typeface="Arial"/>
-            </a:endParaRPr>
-          </a:p>
-          <a:p>
-            <a:endParaRPr b="0" lang="en-US" sz="3200" spc="-1" strike="noStrike">
-              <a:solidFill>
-                <a:srgbClr val="000000"/>
-              </a:solidFill>
-              <a:uFill>
-                <a:solidFill>
-                  <a:srgbClr val="ffffff"/>
-                </a:solidFill>
-              </a:uFill>
-              <a:latin typeface="Arial"/>
-            </a:endParaRPr>
-          </a:p>
-          <a:p>
+              <a:t>Goal: use the state-of-the art technique applied to a new domain (faces and caricatures)</a:t>
+            </a:r>
+            <a:endParaRPr b="0" lang="en-US" sz="1800" spc="-1" strike="noStrike">
+              <a:solidFill>
+                <a:srgbClr val="000000"/>
+              </a:solidFill>
+              <a:uFill>
+                <a:solidFill>
+                  <a:srgbClr val="ffffff"/>
+                </a:solidFill>
+              </a:uFill>
+              <a:latin typeface="Arial"/>
+            </a:endParaRPr>
+          </a:p>
+          <a:p>
+            <a:endParaRPr b="0" lang="en-US" sz="1800" spc="-1" strike="noStrike">
+              <a:solidFill>
+                <a:srgbClr val="000000"/>
+              </a:solidFill>
+              <a:uFill>
+                <a:solidFill>
+                  <a:srgbClr val="ffffff"/>
+                </a:solidFill>
+              </a:uFill>
+              <a:latin typeface="Arial"/>
+            </a:endParaRPr>
+          </a:p>
+          <a:p>
+            <a:endParaRPr b="0" lang="en-US" sz="1800" spc="-1" strike="noStrike">
+              <a:solidFill>
+                <a:srgbClr val="000000"/>
+              </a:solidFill>
+              <a:uFill>
+                <a:solidFill>
+                  <a:srgbClr val="ffffff"/>
+                </a:solidFill>
+              </a:uFill>
+              <a:latin typeface="Arial"/>
+            </a:endParaRPr>
+          </a:p>
+          <a:p>
+            <a:pPr algn="ctr">
+              <a:lnSpc>
+                <a:spcPct val="100000"/>
+              </a:lnSpc>
+            </a:pPr>
+            <a:endParaRPr b="0" lang="en-US" sz="1800" spc="-1" strike="noStrike">
+              <a:solidFill>
+                <a:srgbClr val="000000"/>
+              </a:solidFill>
+              <a:uFill>
+                <a:solidFill>
+                  <a:srgbClr val="ffffff"/>
+                </a:solidFill>
+              </a:uFill>
+              <a:latin typeface="Arial"/>
+            </a:endParaRPr>
+          </a:p>
+          <a:p>
+            <a:pPr algn="ctr">
+              <a:lnSpc>
+                <a:spcPct val="100000"/>
+              </a:lnSpc>
+            </a:pPr>
             <a:r>
               <a:rPr b="0" lang="en-US" sz="3200" spc="-1" strike="noStrike">
                 <a:solidFill>
@@ -2151,91 +2045,9 @@
                 </a:uFill>
                 <a:latin typeface="Arial"/>
               </a:rPr>
-              <a:t>Domains of the paper: horses &amp; zebras, Maps and satellite photographies, façades and schematics,</a:t>
-            </a:r>
-            <a:endParaRPr b="0" lang="en-US" sz="3200" spc="-1" strike="noStrike">
-              <a:solidFill>
-                <a:srgbClr val="000000"/>
-              </a:solidFill>
-              <a:uFill>
-                <a:solidFill>
-                  <a:srgbClr val="ffffff"/>
-                </a:solidFill>
-              </a:uFill>
-              <a:latin typeface="Arial"/>
-            </a:endParaRPr>
-          </a:p>
-          <a:p>
-            <a:endParaRPr b="0" lang="en-US" sz="3200" spc="-1" strike="noStrike">
-              <a:solidFill>
-                <a:srgbClr val="000000"/>
-              </a:solidFill>
-              <a:uFill>
-                <a:solidFill>
-                  <a:srgbClr val="ffffff"/>
-                </a:solidFill>
-              </a:uFill>
-              <a:latin typeface="Arial"/>
-            </a:endParaRPr>
-          </a:p>
-          <a:p>
-            <a:r>
-              <a:rPr b="0" lang="en-US" sz="3200" spc="-1" strike="noStrike">
-                <a:solidFill>
-                  <a:srgbClr val="000000"/>
-                </a:solidFill>
-                <a:uFill>
-                  <a:solidFill>
-                    <a:srgbClr val="ffffff"/>
-                  </a:solidFill>
-                </a:uFill>
-                <a:latin typeface="Arial"/>
-              </a:rPr>
-              <a:t>Architecture: 2 GANS with G ResNet and D PatchGAN</a:t>
-            </a:r>
-            <a:endParaRPr b="0" lang="en-US" sz="3200" spc="-1" strike="noStrike">
-              <a:solidFill>
-                <a:srgbClr val="000000"/>
-              </a:solidFill>
-              <a:uFill>
-                <a:solidFill>
-                  <a:srgbClr val="ffffff"/>
-                </a:solidFill>
-              </a:uFill>
-              <a:latin typeface="Arial"/>
-            </a:endParaRPr>
-          </a:p>
-          <a:p>
-            <a:pPr algn="ctr"/>
-            <a:endParaRPr b="0" lang="en-US" sz="3200" spc="-1" strike="noStrike">
-              <a:solidFill>
-                <a:srgbClr val="000000"/>
-              </a:solidFill>
-              <a:uFill>
-                <a:solidFill>
-                  <a:srgbClr val="ffffff"/>
-                </a:solidFill>
-              </a:uFill>
-              <a:latin typeface="Arial"/>
-            </a:endParaRPr>
-          </a:p>
-          <a:p>
-            <a:pPr algn="ctr"/>
-            <a:r>
-              <a:rPr b="0" lang="en-US" sz="3200" spc="-1" strike="noStrike">
-                <a:solidFill>
-                  <a:srgbClr val="000000"/>
-                </a:solidFill>
-                <a:uFill>
-                  <a:solidFill>
-                    <a:srgbClr val="ffffff"/>
-                  </a:solidFill>
-                </a:uFill>
-                <a:latin typeface="Arial"/>
-              </a:rPr>
               <a:t>	</a:t>
             </a:r>
-            <a:endParaRPr b="0" lang="en-US" sz="3200" spc="-1" strike="noStrike">
+            <a:endParaRPr b="0" lang="en-US" sz="1800" spc="-1" strike="noStrike">
               <a:solidFill>
                 <a:srgbClr val="000000"/>
               </a:solidFill>
@@ -2248,10 +2060,36 @@
             </a:endParaRPr>
           </a:p>
         </p:txBody>
+      </p:sp>
+      <p:sp>
+        <p:nvSpPr>
+          <p:cNvPr id="38" name="CustomShape 3"/>
+          <p:cNvSpPr/>
+          <p:nvPr/>
+        </p:nvSpPr>
+        <p:spPr>
+          <a:xfrm>
+            <a:off x="4572000" y="5943600"/>
+            <a:ext cx="4663080" cy="345960"/>
+          </a:xfrm>
+          <a:prstGeom prst="rect">
+            <a:avLst/>
+          </a:prstGeom>
+          <a:noFill/>
+          <a:ln>
+            <a:noFill/>
+          </a:ln>
+        </p:spPr>
+        <p:style>
+          <a:lnRef idx="0"/>
+          <a:fillRef idx="0"/>
+          <a:effectRef idx="0"/>
+          <a:fontRef idx="minor"/>
+        </p:style>
       </p:sp>
       <p:pic>
         <p:nvPicPr>
-          <p:cNvPr id="41" name="" descr=""/>
+          <p:cNvPr id="39" name="" descr=""/>
           <p:cNvPicPr/>
           <p:nvPr/>
         </p:nvPicPr>
@@ -2261,8 +2099,8 @@
         </p:blipFill>
         <p:spPr>
           <a:xfrm>
-            <a:off x="1348920" y="5852160"/>
-            <a:ext cx="2400120" cy="1352160"/>
+            <a:off x="2690280" y="3941640"/>
+            <a:ext cx="1333080" cy="1361880"/>
           </a:xfrm>
           <a:prstGeom prst="rect">
             <a:avLst/>
@@ -2272,16 +2110,88 @@
           </a:ln>
         </p:spPr>
       </p:pic>
+      <p:pic>
+        <p:nvPicPr>
+          <p:cNvPr id="40" name="" descr=""/>
+          <p:cNvPicPr/>
+          <p:nvPr/>
+        </p:nvPicPr>
+        <p:blipFill>
+          <a:blip r:embed="rId2"/>
+          <a:stretch/>
+        </p:blipFill>
+        <p:spPr>
+          <a:xfrm>
+            <a:off x="5943600" y="3970440"/>
+            <a:ext cx="1323720" cy="1333080"/>
+          </a:xfrm>
+          <a:prstGeom prst="rect">
+            <a:avLst/>
+          </a:prstGeom>
+          <a:ln>
+            <a:noFill/>
+          </a:ln>
+        </p:spPr>
+      </p:pic>
+    </p:spTree>
+  </p:cSld>
+  <p:timing>
+    <p:tnLst>
+      <p:par>
+        <p:cTn id="1" dur="indefinite" restart="never" nodeType="tmRoot">
+          <p:childTnLst>
+            <p:seq>
+              <p:cTn id="2" nodeType="mainSeq"/>
+              <p:prevCondLst>
+                <p:cond delay="0" evt="onPrev">
+                  <p:tgtEl>
+                    <p:sldTgt/>
+                  </p:tgtEl>
+                </p:cond>
+              </p:prevCondLst>
+              <p:nextCondLst>
+                <p:cond delay="0" evt="onNext">
+                  <p:tgtEl>
+                    <p:sldTgt/>
+                  </p:tgtEl>
+                </p:cond>
+              </p:nextCondLst>
+            </p:seq>
+          </p:childTnLst>
+        </p:cTn>
+      </p:par>
+    </p:tnLst>
+  </p:timing>
+</p:sld>
+</file>
+
+<file path=ppt/slides/slide10.xml><?xml version="1.0" encoding="utf-8"?>
+<p:sld xmlns:a="http://schemas.openxmlformats.org/drawingml/2006/main" xmlns:p="http://schemas.openxmlformats.org/presentationml/2006/main" xmlns:r="http://schemas.openxmlformats.org/officeDocument/2006/relationships" xmlns:p14="http://schemas.microsoft.com/office/powerpoint/2010/main" xmlns:p15="http://schemas.microsoft.com/office/powerpoint/2012/main" xmlns:mc="http://schemas.openxmlformats.org/markup-compatibility/2006">
+  <p:cSld>
+    <p:spTree>
+      <p:nvGrpSpPr>
+        <p:cNvPr id="1" name=""/>
+        <p:cNvGrpSpPr/>
+        <p:nvPr/>
+      </p:nvGrpSpPr>
+      <p:grpSpPr>
+        <a:xfrm>
+          <a:off x="0" y="0"/>
+          <a:ext cx="0" cy="0"/>
+          <a:chOff x="0" y="0"/>
+          <a:chExt cx="0" cy="0"/>
+        </a:xfrm>
+      </p:grpSpPr>
       <p:sp>
         <p:nvSpPr>
-          <p:cNvPr id="42" name="TextShape 3"/>
-          <p:cNvSpPr txBox="1"/>
+          <p:cNvPr id="66" name="CustomShape 1"/>
+          <p:cNvSpPr/>
           <p:nvPr/>
         </p:nvSpPr>
         <p:spPr>
           <a:xfrm>
-            <a:off x="4572000" y="5943600"/>
-            <a:ext cx="4663440" cy="346320"/>
+            <a:off x="504000" y="301320"/>
+            <a:ext cx="9071280" cy="1261800"/>
           </a:xfrm>
           <a:prstGeom prst="rect">
             <a:avLst/>
@@ -2291,22 +2201,33 @@
             <a:noFill/>
           </a:ln>
         </p:spPr>
+        <p:style>
+          <a:lnRef idx="0"/>
+          <a:fillRef idx="0"/>
+          <a:effectRef idx="0"/>
+          <a:fontRef idx="minor"/>
+        </p:style>
         <p:txBody>
-          <a:bodyPr lIns="90000" rIns="90000" tIns="45000" bIns="45000"/>
-          <a:p>
-            <a:r>
-              <a:rPr b="0" lang="en-US" sz="1800" spc="-1" strike="noStrike">
-                <a:solidFill>
-                  <a:srgbClr val="000000"/>
-                </a:solidFill>
-                <a:uFill>
-                  <a:solidFill>
-                    <a:srgbClr val="ffffff"/>
-                  </a:solidFill>
-                </a:uFill>
-                <a:latin typeface="Arial"/>
-              </a:rPr>
-              <a:t>&lt;PatchGAN IMAGE&gt;</a:t>
+          <a:bodyPr lIns="0" rIns="0" tIns="0" bIns="0" anchor="ctr"/>
+          <a:p>
+            <a:pPr algn="ctr">
+              <a:lnSpc>
+                <a:spcPct val="100000"/>
+              </a:lnSpc>
+            </a:pPr>
+            <a:r>
+              <a:rPr b="0" lang="en-US" sz="4400" spc="-1" strike="noStrike">
+                <a:solidFill>
+                  <a:srgbClr val="000000"/>
+                </a:solidFill>
+                <a:uFill>
+                  <a:solidFill>
+                    <a:srgbClr val="ffffff"/>
+                  </a:solidFill>
+                </a:uFill>
+                <a:latin typeface="Arial"/>
+              </a:rPr>
+              <a:t>Replica - Customizations</a:t>
             </a:r>
             <a:endParaRPr b="0" lang="en-US" sz="1800" spc="-1" strike="noStrike">
               <a:solidFill>
@@ -2322,8 +2243,211 @@
           </a:p>
         </p:txBody>
       </p:sp>
+      <p:sp>
+        <p:nvSpPr>
+          <p:cNvPr id="67" name="CustomShape 2"/>
+          <p:cNvSpPr/>
+          <p:nvPr/>
+        </p:nvSpPr>
+        <p:spPr>
+          <a:xfrm>
+            <a:off x="504000" y="1682280"/>
+            <a:ext cx="9071280" cy="4557600"/>
+          </a:xfrm>
+          <a:prstGeom prst="rect">
+            <a:avLst/>
+          </a:prstGeom>
+          <a:noFill/>
+          <a:ln>
+            <a:noFill/>
+          </a:ln>
+        </p:spPr>
+        <p:style>
+          <a:lnRef idx="0"/>
+          <a:fillRef idx="0"/>
+          <a:effectRef idx="0"/>
+          <a:fontRef idx="minor"/>
+        </p:style>
+        <p:txBody>
+          <a:bodyPr lIns="0" rIns="0" tIns="0" bIns="0" anchor="ctr"/>
+          <a:p>
+            <a:pPr marL="216000" indent="-215640">
+              <a:lnSpc>
+                <a:spcPct val="100000"/>
+              </a:lnSpc>
+              <a:buClr>
+                <a:srgbClr val="000000"/>
+              </a:buClr>
+              <a:buFont typeface="StarSymbol"/>
+              <a:buAutoNum type="arabicParenR"/>
+            </a:pPr>
+            <a:r>
+              <a:rPr b="0" lang="en-US" sz="3200" spc="-1" strike="noStrike">
+                <a:solidFill>
+                  <a:srgbClr val="000000"/>
+                </a:solidFill>
+                <a:uFill>
+                  <a:solidFill>
+                    <a:srgbClr val="ffffff"/>
+                  </a:solidFill>
+                </a:uFill>
+                <a:latin typeface="Arial"/>
+              </a:rPr>
+              <a:t>Improvements:</a:t>
+            </a:r>
+            <a:endParaRPr b="0" lang="en-US" sz="1800" spc="-1" strike="noStrike">
+              <a:solidFill>
+                <a:srgbClr val="000000"/>
+              </a:solidFill>
+              <a:uFill>
+                <a:solidFill>
+                  <a:srgbClr val="ffffff"/>
+                </a:solidFill>
+              </a:uFill>
+              <a:latin typeface="Arial"/>
+            </a:endParaRPr>
+          </a:p>
+          <a:p>
+            <a:pPr marL="216000" indent="-215640">
+              <a:lnSpc>
+                <a:spcPct val="100000"/>
+              </a:lnSpc>
+              <a:buClr>
+                <a:srgbClr val="000000"/>
+              </a:buClr>
+              <a:buFont typeface="StarSymbol"/>
+              <a:buAutoNum type="arabicParenR"/>
+            </a:pPr>
+            <a:r>
+              <a:rPr b="0" lang="en-US" sz="3200" spc="-1" strike="noStrike">
+                <a:solidFill>
+                  <a:srgbClr val="000000"/>
+                </a:solidFill>
+                <a:uFill>
+                  <a:solidFill>
+                    <a:srgbClr val="ffffff"/>
+                  </a:solidFill>
+                </a:uFill>
+                <a:latin typeface="Arial"/>
+              </a:rPr>
+              <a:t>there’s no shape modification → CariGAN</a:t>
+            </a:r>
+            <a:endParaRPr b="0" lang="en-US" sz="1800" spc="-1" strike="noStrike">
+              <a:solidFill>
+                <a:srgbClr val="000000"/>
+              </a:solidFill>
+              <a:uFill>
+                <a:solidFill>
+                  <a:srgbClr val="ffffff"/>
+                </a:solidFill>
+              </a:uFill>
+              <a:latin typeface="Arial"/>
+            </a:endParaRPr>
+          </a:p>
+          <a:p>
+            <a:pPr>
+              <a:lnSpc>
+                <a:spcPct val="100000"/>
+              </a:lnSpc>
+            </a:pPr>
+            <a:endParaRPr b="0" lang="en-US" sz="1800" spc="-1" strike="noStrike">
+              <a:solidFill>
+                <a:srgbClr val="000000"/>
+              </a:solidFill>
+              <a:uFill>
+                <a:solidFill>
+                  <a:srgbClr val="ffffff"/>
+                </a:solidFill>
+              </a:uFill>
+              <a:latin typeface="Arial"/>
+            </a:endParaRPr>
+          </a:p>
+          <a:p>
+            <a:pPr>
+              <a:lnSpc>
+                <a:spcPct val="100000"/>
+              </a:lnSpc>
+            </a:pPr>
+            <a:r>
+              <a:rPr b="0" lang="en-US" sz="3200" spc="-1" strike="noStrike">
+                <a:solidFill>
+                  <a:srgbClr val="000000"/>
+                </a:solidFill>
+                <a:uFill>
+                  <a:solidFill>
+                    <a:srgbClr val="ffffff"/>
+                  </a:solidFill>
+                </a:uFill>
+                <a:latin typeface="Arial"/>
+              </a:rPr>
+              <a:t>	</a:t>
+            </a:r>
+            <a:endParaRPr b="0" lang="en-US" sz="1800" spc="-1" strike="noStrike">
+              <a:solidFill>
+                <a:srgbClr val="000000"/>
+              </a:solidFill>
+              <a:uFill>
+                <a:solidFill>
+                  <a:srgbClr val="ffffff"/>
+                </a:solidFill>
+              </a:uFill>
+              <a:latin typeface="Arial"/>
+            </a:endParaRPr>
+          </a:p>
+        </p:txBody>
+      </p:sp>
+      <p:pic>
+        <p:nvPicPr>
+          <p:cNvPr id="68" name="" descr=""/>
+          <p:cNvPicPr/>
+          <p:nvPr/>
+        </p:nvPicPr>
+        <p:blipFill>
+          <a:blip r:embed="rId1"/>
+          <a:stretch/>
+        </p:blipFill>
+        <p:spPr>
+          <a:xfrm>
+            <a:off x="365760" y="4297680"/>
+            <a:ext cx="8974440" cy="3058560"/>
+          </a:xfrm>
+          <a:prstGeom prst="rect">
+            <a:avLst/>
+          </a:prstGeom>
+          <a:ln>
+            <a:noFill/>
+          </a:ln>
+        </p:spPr>
+      </p:pic>
     </p:spTree>
   </p:cSld>
+  <p:timing>
+    <p:tnLst>
+      <p:par>
+        <p:cTn id="19" dur="indefinite" restart="never" nodeType="tmRoot">
+          <p:childTnLst>
+            <p:seq>
+              <p:cTn id="20" nodeType="mainSeq"/>
+              <p:prevCondLst>
+                <p:cond delay="0" evt="onPrev">
+                  <p:tgtEl>
+                    <p:sldTgt/>
+                  </p:tgtEl>
+                </p:cond>
+              </p:prevCondLst>
+              <p:nextCondLst>
+                <p:cond delay="0" evt="onNext">
+                  <p:tgtEl>
+                    <p:sldTgt/>
+                  </p:tgtEl>
+                </p:cond>
+              </p:nextCondLst>
+            </p:seq>
+          </p:childTnLst>
+        </p:cTn>
+      </p:par>
+    </p:tnLst>
+  </p:timing>
 </p:sld>
 </file>
 
@@ -2346,14 +2470,14 @@
       </p:grpSpPr>
       <p:sp>
         <p:nvSpPr>
-          <p:cNvPr id="43" name="TextShape 1"/>
-          <p:cNvSpPr txBox="1"/>
+          <p:cNvPr id="41" name="CustomShape 1"/>
+          <p:cNvSpPr/>
           <p:nvPr/>
         </p:nvSpPr>
         <p:spPr>
           <a:xfrm>
             <a:off x="504000" y="301320"/>
-            <a:ext cx="9071640" cy="1262160"/>
+            <a:ext cx="9071280" cy="1261800"/>
           </a:xfrm>
           <a:prstGeom prst="rect">
             <a:avLst/>
@@ -2363,10 +2487,20 @@
             <a:noFill/>
           </a:ln>
         </p:spPr>
+        <p:style>
+          <a:lnRef idx="0"/>
+          <a:fillRef idx="0"/>
+          <a:effectRef idx="0"/>
+          <a:fontRef idx="minor"/>
+        </p:style>
         <p:txBody>
           <a:bodyPr lIns="0" rIns="0" tIns="0" bIns="0" anchor="ctr"/>
           <a:p>
-            <a:pPr algn="ctr"/>
+            <a:pPr algn="ctr">
+              <a:lnSpc>
+                <a:spcPct val="100000"/>
+              </a:lnSpc>
+            </a:pPr>
             <a:r>
               <a:rPr b="0" lang="en-US" sz="4400" spc="-1" strike="noStrike">
                 <a:solidFill>
@@ -2379,9 +2513,9 @@
                 </a:uFill>
                 <a:latin typeface="Arial"/>
               </a:rPr>
-              <a:t>Replica - Customizations</a:t>
-            </a:r>
-            <a:endParaRPr b="0" lang="en-US" sz="4400" spc="-1" strike="noStrike">
+              <a:t>Replica - cycleGAN</a:t>
+            </a:r>
+            <a:endParaRPr b="0" lang="en-US" sz="1800" spc="-1" strike="noStrike">
               <a:solidFill>
                 <a:srgbClr val="000000"/>
               </a:solidFill>
@@ -2397,14 +2531,14 @@
       </p:sp>
       <p:sp>
         <p:nvSpPr>
-          <p:cNvPr id="44" name="TextShape 2"/>
-          <p:cNvSpPr txBox="1"/>
+          <p:cNvPr id="42" name="CustomShape 2"/>
+          <p:cNvSpPr/>
           <p:nvPr/>
         </p:nvSpPr>
         <p:spPr>
           <a:xfrm>
-            <a:off x="504000" y="1682280"/>
-            <a:ext cx="9071640" cy="4557960"/>
+            <a:off x="504000" y="1454400"/>
+            <a:ext cx="9071280" cy="5013360"/>
           </a:xfrm>
           <a:prstGeom prst="rect">
             <a:avLst/>
@@ -2414,10 +2548,235 @@
             <a:noFill/>
           </a:ln>
         </p:spPr>
+        <p:style>
+          <a:lnRef idx="0"/>
+          <a:fillRef idx="0"/>
+          <a:effectRef idx="0"/>
+          <a:fontRef idx="minor"/>
+        </p:style>
         <p:txBody>
           <a:bodyPr lIns="0" rIns="0" tIns="0" bIns="0" anchor="ctr"/>
           <a:p>
-            <a:pPr marL="216000" indent="-216000">
+            <a:r>
+              <a:rPr b="0" lang="en-US" sz="3200" spc="-1" strike="noStrike">
+                <a:solidFill>
+                  <a:srgbClr val="000000"/>
+                </a:solidFill>
+                <a:uFill>
+                  <a:solidFill>
+                    <a:srgbClr val="ffffff"/>
+                  </a:solidFill>
+                </a:uFill>
+                <a:latin typeface="Arial"/>
+              </a:rPr>
+              <a:t>Domains of the pretrained networks: </a:t>
+            </a:r>
+            <a:endParaRPr b="0" lang="en-US" sz="1800" spc="-1" strike="noStrike">
+              <a:solidFill>
+                <a:srgbClr val="000000"/>
+              </a:solidFill>
+              <a:uFill>
+                <a:solidFill>
+                  <a:srgbClr val="ffffff"/>
+                </a:solidFill>
+              </a:uFill>
+              <a:latin typeface="Arial"/>
+            </a:endParaRPr>
+          </a:p>
+          <a:p>
+            <a:r>
+              <a:rPr b="0" lang="en-US" sz="3200" spc="-1" strike="noStrike">
+                <a:solidFill>
+                  <a:srgbClr val="000000"/>
+                </a:solidFill>
+                <a:uFill>
+                  <a:solidFill>
+                    <a:srgbClr val="ffffff"/>
+                  </a:solidFill>
+                </a:uFill>
+                <a:latin typeface="Arial"/>
+              </a:rPr>
+              <a:t>	</a:t>
+            </a:r>
+            <a:endParaRPr b="0" lang="en-US" sz="1800" spc="-1" strike="noStrike">
+              <a:solidFill>
+                <a:srgbClr val="000000"/>
+              </a:solidFill>
+              <a:uFill>
+                <a:solidFill>
+                  <a:srgbClr val="ffffff"/>
+                </a:solidFill>
+              </a:uFill>
+              <a:latin typeface="Arial"/>
+            </a:endParaRPr>
+          </a:p>
+        </p:txBody>
+      </p:sp>
+      <p:pic>
+        <p:nvPicPr>
+          <p:cNvPr id="43" name="" descr=""/>
+          <p:cNvPicPr/>
+          <p:nvPr/>
+        </p:nvPicPr>
+        <p:blipFill>
+          <a:blip r:embed="rId1"/>
+          <a:stretch/>
+        </p:blipFill>
+        <p:spPr>
+          <a:xfrm>
+            <a:off x="991080" y="4480560"/>
+            <a:ext cx="7695720" cy="2390400"/>
+          </a:xfrm>
+          <a:prstGeom prst="rect">
+            <a:avLst/>
+          </a:prstGeom>
+          <a:ln>
+            <a:noFill/>
+          </a:ln>
+        </p:spPr>
+      </p:pic>
+    </p:spTree>
+  </p:cSld>
+  <p:timing>
+    <p:tnLst>
+      <p:par>
+        <p:cTn id="3" dur="indefinite" restart="never" nodeType="tmRoot">
+          <p:childTnLst>
+            <p:seq>
+              <p:cTn id="4" nodeType="mainSeq"/>
+              <p:prevCondLst>
+                <p:cond delay="0" evt="onPrev">
+                  <p:tgtEl>
+                    <p:sldTgt/>
+                  </p:tgtEl>
+                </p:cond>
+              </p:prevCondLst>
+              <p:nextCondLst>
+                <p:cond delay="0" evt="onNext">
+                  <p:tgtEl>
+                    <p:sldTgt/>
+                  </p:tgtEl>
+                </p:cond>
+              </p:nextCondLst>
+            </p:seq>
+          </p:childTnLst>
+        </p:cTn>
+      </p:par>
+    </p:tnLst>
+  </p:timing>
+</p:sld>
+</file>
+
+<file path=ppt/slides/slide3.xml><?xml version="1.0" encoding="utf-8"?>
+<p:sld xmlns:a="http://schemas.openxmlformats.org/drawingml/2006/main" xmlns:p="http://schemas.openxmlformats.org/presentationml/2006/main" xmlns:r="http://schemas.openxmlformats.org/officeDocument/2006/relationships" xmlns:p14="http://schemas.microsoft.com/office/powerpoint/2010/main" xmlns:p15="http://schemas.microsoft.com/office/powerpoint/2012/main" xmlns:mc="http://schemas.openxmlformats.org/markup-compatibility/2006">
+  <p:cSld>
+    <p:spTree>
+      <p:nvGrpSpPr>
+        <p:cNvPr id="1" name=""/>
+        <p:cNvGrpSpPr/>
+        <p:nvPr/>
+      </p:nvGrpSpPr>
+      <p:grpSpPr>
+        <a:xfrm>
+          <a:off x="0" y="0"/>
+          <a:ext cx="0" cy="0"/>
+          <a:chOff x="0" y="0"/>
+          <a:chExt cx="0" cy="0"/>
+        </a:xfrm>
+      </p:grpSpPr>
+      <p:sp>
+        <p:nvSpPr>
+          <p:cNvPr id="44" name="CustomShape 1"/>
+          <p:cNvSpPr/>
+          <p:nvPr/>
+        </p:nvSpPr>
+        <p:spPr>
+          <a:xfrm>
+            <a:off x="504000" y="301320"/>
+            <a:ext cx="9071280" cy="1261800"/>
+          </a:xfrm>
+          <a:prstGeom prst="rect">
+            <a:avLst/>
+          </a:prstGeom>
+          <a:noFill/>
+          <a:ln>
+            <a:noFill/>
+          </a:ln>
+        </p:spPr>
+        <p:style>
+          <a:lnRef idx="0"/>
+          <a:fillRef idx="0"/>
+          <a:effectRef idx="0"/>
+          <a:fontRef idx="minor"/>
+        </p:style>
+        <p:txBody>
+          <a:bodyPr lIns="0" rIns="0" tIns="0" bIns="0" anchor="ctr"/>
+          <a:p>
+            <a:pPr algn="ctr">
+              <a:lnSpc>
+                <a:spcPct val="100000"/>
+              </a:lnSpc>
+            </a:pPr>
+            <a:r>
+              <a:rPr b="0" lang="en-US" sz="4400" spc="-1" strike="noStrike">
+                <a:solidFill>
+                  <a:srgbClr val="000000"/>
+                </a:solidFill>
+                <a:uFill>
+                  <a:solidFill>
+                    <a:srgbClr val="ffffff"/>
+                  </a:solidFill>
+                </a:uFill>
+                <a:latin typeface="Arial"/>
+              </a:rPr>
+              <a:t>Replica - cycleGAN</a:t>
+            </a:r>
+            <a:endParaRPr b="0" lang="en-US" sz="1800" spc="-1" strike="noStrike">
+              <a:solidFill>
+                <a:srgbClr val="000000"/>
+              </a:solidFill>
+              <a:uFill>
+                <a:solidFill>
+                  <a:srgbClr val="ffffff"/>
+                </a:solidFill>
+              </a:uFill>
+              <a:latin typeface="Arial"/>
+            </a:endParaRPr>
+          </a:p>
+        </p:txBody>
+      </p:sp>
+      <p:sp>
+        <p:nvSpPr>
+          <p:cNvPr id="45" name="CustomShape 2"/>
+          <p:cNvSpPr/>
+          <p:nvPr/>
+        </p:nvSpPr>
+        <p:spPr>
+          <a:xfrm>
+            <a:off x="504000" y="1682280"/>
+            <a:ext cx="9071280" cy="4557600"/>
+          </a:xfrm>
+          <a:prstGeom prst="rect">
+            <a:avLst/>
+          </a:prstGeom>
+          <a:noFill/>
+          <a:ln>
+            <a:noFill/>
+          </a:ln>
+        </p:spPr>
+        <p:style>
+          <a:lnRef idx="0"/>
+          <a:fillRef idx="0"/>
+          <a:effectRef idx="0"/>
+          <a:fontRef idx="minor"/>
+        </p:style>
+        <p:txBody>
+          <a:bodyPr lIns="0" rIns="0" tIns="0" bIns="0" anchor="ctr"/>
+          <a:p>
+            <a:pPr marL="216000" indent="-215640">
+              <a:lnSpc>
+                <a:spcPct val="100000"/>
+              </a:lnSpc>
               <a:buClr>
                 <a:srgbClr val="000000"/>
               </a:buClr>
@@ -2436,22 +2795,25 @@
                 </a:uFill>
                 <a:latin typeface="Arial"/>
               </a:rPr>
-              <a:t>Vanilla cycleGAN usage -&gt; prohibitive in time</a:t>
-            </a:r>
-            <a:endParaRPr b="0" lang="en-US" sz="3200" spc="-1" strike="noStrike">
-              <a:solidFill>
-                <a:srgbClr val="000000"/>
-              </a:solidFill>
-              <a:uFill>
-                <a:solidFill>
-                  <a:srgbClr val="ffffff"/>
-                </a:solidFill>
-              </a:uFill>
-              <a:latin typeface="Arial"/>
-            </a:endParaRPr>
-          </a:p>
-          <a:p>
-            <a:pPr marL="216000" indent="-216000">
+              <a:t>Vanilla cycleGAN usage </a:t>
+            </a:r>
+            <a:endParaRPr b="0" lang="en-US" sz="1800" spc="-1" strike="noStrike">
+              <a:solidFill>
+                <a:srgbClr val="000000"/>
+              </a:solidFill>
+              <a:uFill>
+                <a:solidFill>
+                  <a:srgbClr val="ffffff"/>
+                </a:solidFill>
+              </a:uFill>
+              <a:latin typeface="Arial"/>
+            </a:endParaRPr>
+          </a:p>
+          <a:p>
+            <a:pPr marL="216000" indent="-215640">
+              <a:lnSpc>
+                <a:spcPct val="100000"/>
+              </a:lnSpc>
               <a:buClr>
                 <a:srgbClr val="000000"/>
               </a:buClr>
@@ -2470,22 +2832,39 @@
                 </a:uFill>
                 <a:latin typeface="Arial"/>
               </a:rPr>
-              <a:t>Input size reduction to 64x64 pixels -&gt; feasible but blurry images ("pooling effect")</a:t>
-            </a:r>
-            <a:endParaRPr b="0" lang="en-US" sz="3200" spc="-1" strike="noStrike">
-              <a:solidFill>
-                <a:srgbClr val="000000"/>
-              </a:solidFill>
-              <a:uFill>
-                <a:solidFill>
-                  <a:srgbClr val="ffffff"/>
-                </a:solidFill>
-              </a:uFill>
-              <a:latin typeface="Arial"/>
-            </a:endParaRPr>
-          </a:p>
-          <a:p>
-            <a:pPr marL="216000" indent="-216000">
+              <a:t> </a:t>
+            </a:r>
+            <a:r>
+              <a:rPr b="0" lang="en-US" sz="3200" spc="-1" strike="noStrike">
+                <a:solidFill>
+                  <a:srgbClr val="000000"/>
+                </a:solidFill>
+                <a:uFill>
+                  <a:solidFill>
+                    <a:srgbClr val="ffffff"/>
+                  </a:solidFill>
+                </a:uFill>
+                <a:latin typeface="Arial"/>
+              </a:rPr>
+              <a:t>Bad results</a:t>
+            </a:r>
+            <a:endParaRPr b="0" lang="en-US" sz="1800" spc="-1" strike="noStrike">
+              <a:solidFill>
+                <a:srgbClr val="000000"/>
+              </a:solidFill>
+              <a:uFill>
+                <a:solidFill>
+                  <a:srgbClr val="ffffff"/>
+                </a:solidFill>
+              </a:uFill>
+              <a:latin typeface="Arial"/>
+            </a:endParaRPr>
+          </a:p>
+          <a:p>
+            <a:pPr marL="216000" indent="-215640">
+              <a:lnSpc>
+                <a:spcPct val="100000"/>
+              </a:lnSpc>
               <a:buClr>
                 <a:srgbClr val="000000"/>
               </a:buClr>
@@ -2504,22 +2883,1822 @@
                 </a:uFill>
                 <a:latin typeface="Arial"/>
               </a:rPr>
-              <a:t>Layer reduction G and D network -&gt; desired output</a:t>
-            </a:r>
-            <a:endParaRPr b="0" lang="en-US" sz="3200" spc="-1" strike="noStrike">
-              <a:solidFill>
-                <a:srgbClr val="000000"/>
-              </a:solidFill>
-              <a:uFill>
-                <a:solidFill>
-                  <a:srgbClr val="ffffff"/>
-                </a:solidFill>
-              </a:uFill>
-              <a:latin typeface="Arial"/>
-            </a:endParaRPr>
-          </a:p>
-          <a:p>
-            <a:pPr marL="216000" indent="-216000">
+              <a:t> </a:t>
+            </a:r>
+            <a:r>
+              <a:rPr b="0" lang="en-US" sz="3200" spc="-1" strike="noStrike">
+                <a:solidFill>
+                  <a:srgbClr val="000000"/>
+                </a:solidFill>
+                <a:uFill>
+                  <a:solidFill>
+                    <a:srgbClr val="ffffff"/>
+                  </a:solidFill>
+                </a:uFill>
+                <a:latin typeface="Arial"/>
+              </a:rPr>
+              <a:t>Prohibitive in time</a:t>
+            </a:r>
+            <a:endParaRPr b="0" lang="en-US" sz="1800" spc="-1" strike="noStrike">
+              <a:solidFill>
+                <a:srgbClr val="000000"/>
+              </a:solidFill>
+              <a:uFill>
+                <a:solidFill>
+                  <a:srgbClr val="ffffff"/>
+                </a:solidFill>
+              </a:uFill>
+              <a:latin typeface="Arial"/>
+            </a:endParaRPr>
+          </a:p>
+          <a:p>
+            <a:pPr marL="216000" indent="-215640">
+              <a:lnSpc>
+                <a:spcPct val="100000"/>
+              </a:lnSpc>
+              <a:buClr>
+                <a:srgbClr val="000000"/>
+              </a:buClr>
+              <a:buFont typeface="StarSymbol"/>
+              <a:buAutoNum type="arabicParenR"/>
+            </a:pPr>
+            <a:r>
+              <a:rPr b="0" lang="en-US" sz="3200" spc="-1" strike="noStrike">
+                <a:solidFill>
+                  <a:srgbClr val="000000"/>
+                </a:solidFill>
+                <a:uFill>
+                  <a:solidFill>
+                    <a:srgbClr val="ffffff"/>
+                  </a:solidFill>
+                </a:uFill>
+                <a:latin typeface="Arial"/>
+              </a:rPr>
+              <a:t> </a:t>
+            </a:r>
+            <a:endParaRPr b="0" lang="en-US" sz="1800" spc="-1" strike="noStrike">
+              <a:solidFill>
+                <a:srgbClr val="000000"/>
+              </a:solidFill>
+              <a:uFill>
+                <a:solidFill>
+                  <a:srgbClr val="ffffff"/>
+                </a:solidFill>
+              </a:uFill>
+              <a:latin typeface="Arial"/>
+            </a:endParaRPr>
+          </a:p>
+          <a:p>
+            <a:pPr algn="ctr">
+              <a:lnSpc>
+                <a:spcPct val="100000"/>
+              </a:lnSpc>
+            </a:pPr>
+            <a:endParaRPr b="0" lang="en-US" sz="1800" spc="-1" strike="noStrike">
+              <a:solidFill>
+                <a:srgbClr val="000000"/>
+              </a:solidFill>
+              <a:uFill>
+                <a:solidFill>
+                  <a:srgbClr val="ffffff"/>
+                </a:solidFill>
+              </a:uFill>
+              <a:latin typeface="Arial"/>
+            </a:endParaRPr>
+          </a:p>
+          <a:p>
+            <a:pPr algn="ctr">
+              <a:lnSpc>
+                <a:spcPct val="100000"/>
+              </a:lnSpc>
+            </a:pPr>
+            <a:r>
+              <a:rPr b="0" lang="en-US" sz="3200" spc="-1" strike="noStrike">
+                <a:solidFill>
+                  <a:srgbClr val="000000"/>
+                </a:solidFill>
+                <a:uFill>
+                  <a:solidFill>
+                    <a:srgbClr val="ffffff"/>
+                  </a:solidFill>
+                </a:uFill>
+                <a:latin typeface="Arial"/>
+              </a:rPr>
+              <a:t>	</a:t>
+            </a:r>
+            <a:endParaRPr b="0" lang="en-US" sz="1800" spc="-1" strike="noStrike">
+              <a:solidFill>
+                <a:srgbClr val="000000"/>
+              </a:solidFill>
+              <a:uFill>
+                <a:solidFill>
+                  <a:srgbClr val="ffffff"/>
+                </a:solidFill>
+              </a:uFill>
+              <a:latin typeface="Arial"/>
+            </a:endParaRPr>
+          </a:p>
+        </p:txBody>
+      </p:sp>
+      <p:pic>
+        <p:nvPicPr>
+          <p:cNvPr id="46" name="" descr=""/>
+          <p:cNvPicPr/>
+          <p:nvPr/>
+        </p:nvPicPr>
+        <p:blipFill>
+          <a:blip r:embed="rId1"/>
+          <a:stretch/>
+        </p:blipFill>
+        <p:spPr>
+          <a:xfrm>
+            <a:off x="1868760" y="4114800"/>
+            <a:ext cx="6086520" cy="3051000"/>
+          </a:xfrm>
+          <a:prstGeom prst="rect">
+            <a:avLst/>
+          </a:prstGeom>
+          <a:ln>
+            <a:noFill/>
+          </a:ln>
+        </p:spPr>
+      </p:pic>
+    </p:spTree>
+  </p:cSld>
+  <p:timing>
+    <p:tnLst>
+      <p:par>
+        <p:cTn id="5" dur="indefinite" restart="never" nodeType="tmRoot">
+          <p:childTnLst>
+            <p:seq>
+              <p:cTn id="6" nodeType="mainSeq"/>
+              <p:prevCondLst>
+                <p:cond delay="0" evt="onPrev">
+                  <p:tgtEl>
+                    <p:sldTgt/>
+                  </p:tgtEl>
+                </p:cond>
+              </p:prevCondLst>
+              <p:nextCondLst>
+                <p:cond delay="0" evt="onNext">
+                  <p:tgtEl>
+                    <p:sldTgt/>
+                  </p:tgtEl>
+                </p:cond>
+              </p:nextCondLst>
+            </p:seq>
+          </p:childTnLst>
+        </p:cTn>
+      </p:par>
+    </p:tnLst>
+  </p:timing>
+</p:sld>
+</file>
+
+<file path=ppt/slides/slide4.xml><?xml version="1.0" encoding="utf-8"?>
+<p:sld xmlns:a="http://schemas.openxmlformats.org/drawingml/2006/main" xmlns:p="http://schemas.openxmlformats.org/presentationml/2006/main" xmlns:r="http://schemas.openxmlformats.org/officeDocument/2006/relationships" xmlns:p14="http://schemas.microsoft.com/office/powerpoint/2010/main" xmlns:p15="http://schemas.microsoft.com/office/powerpoint/2012/main" xmlns:mc="http://schemas.openxmlformats.org/markup-compatibility/2006">
+  <p:cSld>
+    <p:spTree>
+      <p:nvGrpSpPr>
+        <p:cNvPr id="1" name=""/>
+        <p:cNvGrpSpPr/>
+        <p:nvPr/>
+      </p:nvGrpSpPr>
+      <p:grpSpPr>
+        <a:xfrm>
+          <a:off x="0" y="0"/>
+          <a:ext cx="0" cy="0"/>
+          <a:chOff x="0" y="0"/>
+          <a:chExt cx="0" cy="0"/>
+        </a:xfrm>
+      </p:grpSpPr>
+      <p:sp>
+        <p:nvSpPr>
+          <p:cNvPr id="47" name="CustomShape 1"/>
+          <p:cNvSpPr/>
+          <p:nvPr/>
+        </p:nvSpPr>
+        <p:spPr>
+          <a:xfrm>
+            <a:off x="504000" y="301320"/>
+            <a:ext cx="9071280" cy="1261800"/>
+          </a:xfrm>
+          <a:prstGeom prst="rect">
+            <a:avLst/>
+          </a:prstGeom>
+          <a:noFill/>
+          <a:ln>
+            <a:noFill/>
+          </a:ln>
+        </p:spPr>
+        <p:style>
+          <a:lnRef idx="0"/>
+          <a:fillRef idx="0"/>
+          <a:effectRef idx="0"/>
+          <a:fontRef idx="minor"/>
+        </p:style>
+        <p:txBody>
+          <a:bodyPr lIns="0" rIns="0" tIns="0" bIns="0" anchor="ctr"/>
+          <a:p>
+            <a:pPr algn="ctr">
+              <a:lnSpc>
+                <a:spcPct val="100000"/>
+              </a:lnSpc>
+            </a:pPr>
+            <a:r>
+              <a:rPr b="0" lang="en-US" sz="4400" spc="-1" strike="noStrike">
+                <a:solidFill>
+                  <a:srgbClr val="000000"/>
+                </a:solidFill>
+                <a:uFill>
+                  <a:solidFill>
+                    <a:srgbClr val="ffffff"/>
+                  </a:solidFill>
+                </a:uFill>
+                <a:latin typeface="Arial"/>
+              </a:rPr>
+              <a:t>Replica - cycleGAN</a:t>
+            </a:r>
+            <a:endParaRPr b="0" lang="en-US" sz="1800" spc="-1" strike="noStrike">
+              <a:solidFill>
+                <a:srgbClr val="000000"/>
+              </a:solidFill>
+              <a:uFill>
+                <a:solidFill>
+                  <a:srgbClr val="ffffff"/>
+                </a:solidFill>
+              </a:uFill>
+              <a:latin typeface="Arial"/>
+            </a:endParaRPr>
+          </a:p>
+        </p:txBody>
+      </p:sp>
+      <p:sp>
+        <p:nvSpPr>
+          <p:cNvPr id="48" name="CustomShape 2"/>
+          <p:cNvSpPr/>
+          <p:nvPr/>
+        </p:nvSpPr>
+        <p:spPr>
+          <a:xfrm>
+            <a:off x="504000" y="1682280"/>
+            <a:ext cx="9071280" cy="4557600"/>
+          </a:xfrm>
+          <a:prstGeom prst="rect">
+            <a:avLst/>
+          </a:prstGeom>
+          <a:noFill/>
+          <a:ln>
+            <a:noFill/>
+          </a:ln>
+        </p:spPr>
+        <p:style>
+          <a:lnRef idx="0"/>
+          <a:fillRef idx="0"/>
+          <a:effectRef idx="0"/>
+          <a:fontRef idx="minor"/>
+        </p:style>
+        <p:txBody>
+          <a:bodyPr lIns="0" rIns="0" tIns="0" bIns="0" anchor="ctr"/>
+          <a:p>
+            <a:pPr marL="216000" indent="-215640">
+              <a:lnSpc>
+                <a:spcPct val="100000"/>
+              </a:lnSpc>
+              <a:buClr>
+                <a:srgbClr val="000000"/>
+              </a:buClr>
+              <a:buFont typeface="StarSymbol"/>
+              <a:buAutoNum type="arabicParenR"/>
+            </a:pPr>
+            <a:r>
+              <a:rPr b="0" lang="en-US" sz="3200" spc="-1" strike="noStrike">
+                <a:solidFill>
+                  <a:srgbClr val="000000"/>
+                </a:solidFill>
+                <a:uFill>
+                  <a:solidFill>
+                    <a:srgbClr val="ffffff"/>
+                  </a:solidFill>
+                </a:uFill>
+                <a:latin typeface="Arial"/>
+              </a:rPr>
+              <a:t>Vanilla cycleGAN usage </a:t>
+            </a:r>
+            <a:endParaRPr b="0" lang="en-US" sz="1800" spc="-1" strike="noStrike">
+              <a:solidFill>
+                <a:srgbClr val="000000"/>
+              </a:solidFill>
+              <a:uFill>
+                <a:solidFill>
+                  <a:srgbClr val="ffffff"/>
+                </a:solidFill>
+              </a:uFill>
+              <a:latin typeface="Arial"/>
+            </a:endParaRPr>
+          </a:p>
+          <a:p>
+            <a:pPr marL="216000" indent="-215640">
+              <a:lnSpc>
+                <a:spcPct val="100000"/>
+              </a:lnSpc>
+              <a:buClr>
+                <a:srgbClr val="000000"/>
+              </a:buClr>
+              <a:buFont typeface="StarSymbol"/>
+              <a:buAutoNum type="arabicParenR"/>
+            </a:pPr>
+            <a:r>
+              <a:rPr b="0" lang="en-US" sz="3200" spc="-1" strike="noStrike">
+                <a:solidFill>
+                  <a:srgbClr val="000000"/>
+                </a:solidFill>
+                <a:uFill>
+                  <a:solidFill>
+                    <a:srgbClr val="ffffff"/>
+                  </a:solidFill>
+                </a:uFill>
+                <a:latin typeface="Arial"/>
+              </a:rPr>
+              <a:t> </a:t>
+            </a:r>
+            <a:r>
+              <a:rPr b="0" lang="en-US" sz="3200" spc="-1" strike="noStrike">
+                <a:solidFill>
+                  <a:srgbClr val="000000"/>
+                </a:solidFill>
+                <a:uFill>
+                  <a:solidFill>
+                    <a:srgbClr val="ffffff"/>
+                  </a:solidFill>
+                </a:uFill>
+                <a:latin typeface="Arial"/>
+              </a:rPr>
+              <a:t>Bad results</a:t>
+            </a:r>
+            <a:endParaRPr b="0" lang="en-US" sz="1800" spc="-1" strike="noStrike">
+              <a:solidFill>
+                <a:srgbClr val="000000"/>
+              </a:solidFill>
+              <a:uFill>
+                <a:solidFill>
+                  <a:srgbClr val="ffffff"/>
+                </a:solidFill>
+              </a:uFill>
+              <a:latin typeface="Arial"/>
+            </a:endParaRPr>
+          </a:p>
+          <a:p>
+            <a:pPr marL="216000" indent="-215640">
+              <a:lnSpc>
+                <a:spcPct val="100000"/>
+              </a:lnSpc>
+              <a:buClr>
+                <a:srgbClr val="000000"/>
+              </a:buClr>
+              <a:buFont typeface="StarSymbol"/>
+              <a:buAutoNum type="arabicParenR"/>
+            </a:pPr>
+            <a:r>
+              <a:rPr b="0" lang="en-US" sz="3200" spc="-1" strike="noStrike">
+                <a:solidFill>
+                  <a:srgbClr val="000000"/>
+                </a:solidFill>
+                <a:uFill>
+                  <a:solidFill>
+                    <a:srgbClr val="ffffff"/>
+                  </a:solidFill>
+                </a:uFill>
+                <a:latin typeface="Arial"/>
+              </a:rPr>
+              <a:t> </a:t>
+            </a:r>
+            <a:r>
+              <a:rPr b="0" lang="en-US" sz="3200" spc="-1" strike="noStrike">
+                <a:solidFill>
+                  <a:srgbClr val="000000"/>
+                </a:solidFill>
+                <a:uFill>
+                  <a:solidFill>
+                    <a:srgbClr val="ffffff"/>
+                  </a:solidFill>
+                </a:uFill>
+                <a:latin typeface="Arial"/>
+              </a:rPr>
+              <a:t>Prohibitive in time</a:t>
+            </a:r>
+            <a:endParaRPr b="0" lang="en-US" sz="1800" spc="-1" strike="noStrike">
+              <a:solidFill>
+                <a:srgbClr val="000000"/>
+              </a:solidFill>
+              <a:uFill>
+                <a:solidFill>
+                  <a:srgbClr val="ffffff"/>
+                </a:solidFill>
+              </a:uFill>
+              <a:latin typeface="Arial"/>
+            </a:endParaRPr>
+          </a:p>
+          <a:p>
+            <a:pPr marL="216000" indent="-215640">
+              <a:lnSpc>
+                <a:spcPct val="100000"/>
+              </a:lnSpc>
+              <a:buClr>
+                <a:srgbClr val="000000"/>
+              </a:buClr>
+              <a:buFont typeface="StarSymbol"/>
+              <a:buAutoNum type="arabicParenR"/>
+            </a:pPr>
+            <a:r>
+              <a:rPr b="0" lang="en-US" sz="3200" spc="-1" strike="noStrike">
+                <a:solidFill>
+                  <a:srgbClr val="000000"/>
+                </a:solidFill>
+                <a:uFill>
+                  <a:solidFill>
+                    <a:srgbClr val="ffffff"/>
+                  </a:solidFill>
+                </a:uFill>
+                <a:latin typeface="Arial"/>
+              </a:rPr>
+              <a:t> </a:t>
+            </a:r>
+            <a:endParaRPr b="0" lang="en-US" sz="1800" spc="-1" strike="noStrike">
+              <a:solidFill>
+                <a:srgbClr val="000000"/>
+              </a:solidFill>
+              <a:uFill>
+                <a:solidFill>
+                  <a:srgbClr val="ffffff"/>
+                </a:solidFill>
+              </a:uFill>
+              <a:latin typeface="Arial"/>
+            </a:endParaRPr>
+          </a:p>
+          <a:p>
+            <a:pPr algn="ctr">
+              <a:lnSpc>
+                <a:spcPct val="100000"/>
+              </a:lnSpc>
+            </a:pPr>
+            <a:endParaRPr b="0" lang="en-US" sz="1800" spc="-1" strike="noStrike">
+              <a:solidFill>
+                <a:srgbClr val="000000"/>
+              </a:solidFill>
+              <a:uFill>
+                <a:solidFill>
+                  <a:srgbClr val="ffffff"/>
+                </a:solidFill>
+              </a:uFill>
+              <a:latin typeface="Arial"/>
+            </a:endParaRPr>
+          </a:p>
+          <a:p>
+            <a:pPr algn="ctr">
+              <a:lnSpc>
+                <a:spcPct val="100000"/>
+              </a:lnSpc>
+            </a:pPr>
+            <a:r>
+              <a:rPr b="0" lang="en-US" sz="3200" spc="-1" strike="noStrike">
+                <a:solidFill>
+                  <a:srgbClr val="000000"/>
+                </a:solidFill>
+                <a:uFill>
+                  <a:solidFill>
+                    <a:srgbClr val="ffffff"/>
+                  </a:solidFill>
+                </a:uFill>
+                <a:latin typeface="Arial"/>
+              </a:rPr>
+              <a:t>	</a:t>
+            </a:r>
+            <a:endParaRPr b="0" lang="en-US" sz="1800" spc="-1" strike="noStrike">
+              <a:solidFill>
+                <a:srgbClr val="000000"/>
+              </a:solidFill>
+              <a:uFill>
+                <a:solidFill>
+                  <a:srgbClr val="ffffff"/>
+                </a:solidFill>
+              </a:uFill>
+              <a:latin typeface="Arial"/>
+            </a:endParaRPr>
+          </a:p>
+        </p:txBody>
+      </p:sp>
+      <p:pic>
+        <p:nvPicPr>
+          <p:cNvPr id="49" name="" descr=""/>
+          <p:cNvPicPr/>
+          <p:nvPr/>
+        </p:nvPicPr>
+        <p:blipFill>
+          <a:blip r:embed="rId1"/>
+          <a:stretch/>
+        </p:blipFill>
+        <p:spPr>
+          <a:xfrm>
+            <a:off x="1868760" y="4114800"/>
+            <a:ext cx="6086520" cy="3051000"/>
+          </a:xfrm>
+          <a:prstGeom prst="rect">
+            <a:avLst/>
+          </a:prstGeom>
+          <a:ln>
+            <a:noFill/>
+          </a:ln>
+        </p:spPr>
+      </p:pic>
+    </p:spTree>
+  </p:cSld>
+  <p:timing>
+    <p:tnLst>
+      <p:par>
+        <p:cTn id="7" dur="indefinite" restart="never" nodeType="tmRoot">
+          <p:childTnLst>
+            <p:seq>
+              <p:cTn id="8" nodeType="mainSeq"/>
+              <p:prevCondLst>
+                <p:cond delay="0" evt="onPrev">
+                  <p:tgtEl>
+                    <p:sldTgt/>
+                  </p:tgtEl>
+                </p:cond>
+              </p:prevCondLst>
+              <p:nextCondLst>
+                <p:cond delay="0" evt="onNext">
+                  <p:tgtEl>
+                    <p:sldTgt/>
+                  </p:tgtEl>
+                </p:cond>
+              </p:nextCondLst>
+            </p:seq>
+          </p:childTnLst>
+        </p:cTn>
+      </p:par>
+    </p:tnLst>
+  </p:timing>
+</p:sld>
+</file>
+
+<file path=ppt/slides/slide5.xml><?xml version="1.0" encoding="utf-8"?>
+<p:sld xmlns:a="http://schemas.openxmlformats.org/drawingml/2006/main" xmlns:p="http://schemas.openxmlformats.org/presentationml/2006/main" xmlns:r="http://schemas.openxmlformats.org/officeDocument/2006/relationships" xmlns:p14="http://schemas.microsoft.com/office/powerpoint/2010/main" xmlns:p15="http://schemas.microsoft.com/office/powerpoint/2012/main" xmlns:mc="http://schemas.openxmlformats.org/markup-compatibility/2006">
+  <p:cSld>
+    <p:spTree>
+      <p:nvGrpSpPr>
+        <p:cNvPr id="1" name=""/>
+        <p:cNvGrpSpPr/>
+        <p:nvPr/>
+      </p:nvGrpSpPr>
+      <p:grpSpPr>
+        <a:xfrm>
+          <a:off x="0" y="0"/>
+          <a:ext cx="0" cy="0"/>
+          <a:chOff x="0" y="0"/>
+          <a:chExt cx="0" cy="0"/>
+        </a:xfrm>
+      </p:grpSpPr>
+      <p:sp>
+        <p:nvSpPr>
+          <p:cNvPr id="50" name="CustomShape 1"/>
+          <p:cNvSpPr/>
+          <p:nvPr/>
+        </p:nvSpPr>
+        <p:spPr>
+          <a:xfrm>
+            <a:off x="504000" y="301320"/>
+            <a:ext cx="9071280" cy="1261800"/>
+          </a:xfrm>
+          <a:prstGeom prst="rect">
+            <a:avLst/>
+          </a:prstGeom>
+          <a:noFill/>
+          <a:ln>
+            <a:noFill/>
+          </a:ln>
+        </p:spPr>
+        <p:style>
+          <a:lnRef idx="0"/>
+          <a:fillRef idx="0"/>
+          <a:effectRef idx="0"/>
+          <a:fontRef idx="minor"/>
+        </p:style>
+        <p:txBody>
+          <a:bodyPr lIns="0" rIns="0" tIns="0" bIns="0" anchor="ctr"/>
+          <a:p>
+            <a:pPr algn="ctr">
+              <a:lnSpc>
+                <a:spcPct val="100000"/>
+              </a:lnSpc>
+            </a:pPr>
+            <a:r>
+              <a:rPr b="0" lang="en-US" sz="4400" spc="-1" strike="noStrike">
+                <a:solidFill>
+                  <a:srgbClr val="000000"/>
+                </a:solidFill>
+                <a:uFill>
+                  <a:solidFill>
+                    <a:srgbClr val="ffffff"/>
+                  </a:solidFill>
+                </a:uFill>
+                <a:latin typeface="Arial"/>
+              </a:rPr>
+              <a:t>Replica - cycleGAN</a:t>
+            </a:r>
+            <a:endParaRPr b="0" lang="en-US" sz="1800" spc="-1" strike="noStrike">
+              <a:solidFill>
+                <a:srgbClr val="000000"/>
+              </a:solidFill>
+              <a:uFill>
+                <a:solidFill>
+                  <a:srgbClr val="ffffff"/>
+                </a:solidFill>
+              </a:uFill>
+              <a:latin typeface="Arial"/>
+            </a:endParaRPr>
+          </a:p>
+        </p:txBody>
+      </p:sp>
+      <p:sp>
+        <p:nvSpPr>
+          <p:cNvPr id="51" name="CustomShape 2"/>
+          <p:cNvSpPr/>
+          <p:nvPr/>
+        </p:nvSpPr>
+        <p:spPr>
+          <a:xfrm>
+            <a:off x="504000" y="1682280"/>
+            <a:ext cx="9071280" cy="4557600"/>
+          </a:xfrm>
+          <a:prstGeom prst="rect">
+            <a:avLst/>
+          </a:prstGeom>
+          <a:noFill/>
+          <a:ln>
+            <a:noFill/>
+          </a:ln>
+        </p:spPr>
+        <p:style>
+          <a:lnRef idx="0"/>
+          <a:fillRef idx="0"/>
+          <a:effectRef idx="0"/>
+          <a:fontRef idx="minor"/>
+        </p:style>
+        <p:txBody>
+          <a:bodyPr lIns="0" rIns="0" tIns="0" bIns="0" anchor="ctr"/>
+          <a:p>
+            <a:pPr marL="216000" indent="-215640">
+              <a:lnSpc>
+                <a:spcPct val="100000"/>
+              </a:lnSpc>
+              <a:buClr>
+                <a:srgbClr val="000000"/>
+              </a:buClr>
+              <a:buFont typeface="StarSymbol"/>
+              <a:buAutoNum type="arabicParenR"/>
+            </a:pPr>
+            <a:r>
+              <a:rPr b="0" lang="en-US" sz="3200" spc="-1" strike="noStrike">
+                <a:solidFill>
+                  <a:srgbClr val="000000"/>
+                </a:solidFill>
+                <a:uFill>
+                  <a:solidFill>
+                    <a:srgbClr val="ffffff"/>
+                  </a:solidFill>
+                </a:uFill>
+                <a:latin typeface="Arial"/>
+              </a:rPr>
+              <a:t>Vanilla cycleGAN usage </a:t>
+            </a:r>
+            <a:endParaRPr b="0" lang="en-US" sz="1800" spc="-1" strike="noStrike">
+              <a:solidFill>
+                <a:srgbClr val="000000"/>
+              </a:solidFill>
+              <a:uFill>
+                <a:solidFill>
+                  <a:srgbClr val="ffffff"/>
+                </a:solidFill>
+              </a:uFill>
+              <a:latin typeface="Arial"/>
+            </a:endParaRPr>
+          </a:p>
+          <a:p>
+            <a:pPr marL="216000" indent="-215640">
+              <a:lnSpc>
+                <a:spcPct val="100000"/>
+              </a:lnSpc>
+              <a:buClr>
+                <a:srgbClr val="000000"/>
+              </a:buClr>
+              <a:buFont typeface="StarSymbol"/>
+              <a:buAutoNum type="arabicParenR"/>
+            </a:pPr>
+            <a:r>
+              <a:rPr b="0" lang="en-US" sz="3200" spc="-1" strike="noStrike">
+                <a:solidFill>
+                  <a:srgbClr val="000000"/>
+                </a:solidFill>
+                <a:uFill>
+                  <a:solidFill>
+                    <a:srgbClr val="ffffff"/>
+                  </a:solidFill>
+                </a:uFill>
+                <a:latin typeface="Arial"/>
+              </a:rPr>
+              <a:t> </a:t>
+            </a:r>
+            <a:r>
+              <a:rPr b="0" lang="en-US" sz="3200" spc="-1" strike="noStrike">
+                <a:solidFill>
+                  <a:srgbClr val="000000"/>
+                </a:solidFill>
+                <a:uFill>
+                  <a:solidFill>
+                    <a:srgbClr val="ffffff"/>
+                  </a:solidFill>
+                </a:uFill>
+                <a:latin typeface="Arial"/>
+              </a:rPr>
+              <a:t>Bad results</a:t>
+            </a:r>
+            <a:endParaRPr b="0" lang="en-US" sz="1800" spc="-1" strike="noStrike">
+              <a:solidFill>
+                <a:srgbClr val="000000"/>
+              </a:solidFill>
+              <a:uFill>
+                <a:solidFill>
+                  <a:srgbClr val="ffffff"/>
+                </a:solidFill>
+              </a:uFill>
+              <a:latin typeface="Arial"/>
+            </a:endParaRPr>
+          </a:p>
+          <a:p>
+            <a:pPr marL="216000" indent="-215640">
+              <a:lnSpc>
+                <a:spcPct val="100000"/>
+              </a:lnSpc>
+              <a:buClr>
+                <a:srgbClr val="000000"/>
+              </a:buClr>
+              <a:buFont typeface="StarSymbol"/>
+              <a:buAutoNum type="arabicParenR"/>
+            </a:pPr>
+            <a:r>
+              <a:rPr b="0" lang="en-US" sz="3200" spc="-1" strike="noStrike">
+                <a:solidFill>
+                  <a:srgbClr val="000000"/>
+                </a:solidFill>
+                <a:uFill>
+                  <a:solidFill>
+                    <a:srgbClr val="ffffff"/>
+                  </a:solidFill>
+                </a:uFill>
+                <a:latin typeface="Arial"/>
+              </a:rPr>
+              <a:t> </a:t>
+            </a:r>
+            <a:r>
+              <a:rPr b="0" lang="en-US" sz="3200" spc="-1" strike="noStrike">
+                <a:solidFill>
+                  <a:srgbClr val="000000"/>
+                </a:solidFill>
+                <a:uFill>
+                  <a:solidFill>
+                    <a:srgbClr val="ffffff"/>
+                  </a:solidFill>
+                </a:uFill>
+                <a:latin typeface="Arial"/>
+              </a:rPr>
+              <a:t>Prohibitive in time</a:t>
+            </a:r>
+            <a:endParaRPr b="0" lang="en-US" sz="1800" spc="-1" strike="noStrike">
+              <a:solidFill>
+                <a:srgbClr val="000000"/>
+              </a:solidFill>
+              <a:uFill>
+                <a:solidFill>
+                  <a:srgbClr val="ffffff"/>
+                </a:solidFill>
+              </a:uFill>
+              <a:latin typeface="Arial"/>
+            </a:endParaRPr>
+          </a:p>
+          <a:p>
+            <a:pPr marL="216000" indent="-215640">
+              <a:lnSpc>
+                <a:spcPct val="100000"/>
+              </a:lnSpc>
+              <a:buClr>
+                <a:srgbClr val="000000"/>
+              </a:buClr>
+              <a:buFont typeface="StarSymbol"/>
+              <a:buAutoNum type="arabicParenR"/>
+            </a:pPr>
+            <a:r>
+              <a:rPr b="0" lang="en-US" sz="3200" spc="-1" strike="noStrike">
+                <a:solidFill>
+                  <a:srgbClr val="000000"/>
+                </a:solidFill>
+                <a:uFill>
+                  <a:solidFill>
+                    <a:srgbClr val="ffffff"/>
+                  </a:solidFill>
+                </a:uFill>
+                <a:latin typeface="Arial"/>
+              </a:rPr>
+              <a:t> </a:t>
+            </a:r>
+            <a:endParaRPr b="0" lang="en-US" sz="1800" spc="-1" strike="noStrike">
+              <a:solidFill>
+                <a:srgbClr val="000000"/>
+              </a:solidFill>
+              <a:uFill>
+                <a:solidFill>
+                  <a:srgbClr val="ffffff"/>
+                </a:solidFill>
+              </a:uFill>
+              <a:latin typeface="Arial"/>
+            </a:endParaRPr>
+          </a:p>
+          <a:p>
+            <a:pPr algn="ctr">
+              <a:lnSpc>
+                <a:spcPct val="100000"/>
+              </a:lnSpc>
+            </a:pPr>
+            <a:endParaRPr b="0" lang="en-US" sz="1800" spc="-1" strike="noStrike">
+              <a:solidFill>
+                <a:srgbClr val="000000"/>
+              </a:solidFill>
+              <a:uFill>
+                <a:solidFill>
+                  <a:srgbClr val="ffffff"/>
+                </a:solidFill>
+              </a:uFill>
+              <a:latin typeface="Arial"/>
+            </a:endParaRPr>
+          </a:p>
+          <a:p>
+            <a:pPr algn="ctr">
+              <a:lnSpc>
+                <a:spcPct val="100000"/>
+              </a:lnSpc>
+            </a:pPr>
+            <a:r>
+              <a:rPr b="0" lang="en-US" sz="3200" spc="-1" strike="noStrike">
+                <a:solidFill>
+                  <a:srgbClr val="000000"/>
+                </a:solidFill>
+                <a:uFill>
+                  <a:solidFill>
+                    <a:srgbClr val="ffffff"/>
+                  </a:solidFill>
+                </a:uFill>
+                <a:latin typeface="Arial"/>
+              </a:rPr>
+              <a:t>	</a:t>
+            </a:r>
+            <a:endParaRPr b="0" lang="en-US" sz="1800" spc="-1" strike="noStrike">
+              <a:solidFill>
+                <a:srgbClr val="000000"/>
+              </a:solidFill>
+              <a:uFill>
+                <a:solidFill>
+                  <a:srgbClr val="ffffff"/>
+                </a:solidFill>
+              </a:uFill>
+              <a:latin typeface="Arial"/>
+            </a:endParaRPr>
+          </a:p>
+        </p:txBody>
+      </p:sp>
+      <p:pic>
+        <p:nvPicPr>
+          <p:cNvPr id="52" name="" descr=""/>
+          <p:cNvPicPr/>
+          <p:nvPr/>
+        </p:nvPicPr>
+        <p:blipFill>
+          <a:blip r:embed="rId1"/>
+          <a:stretch/>
+        </p:blipFill>
+        <p:spPr>
+          <a:xfrm>
+            <a:off x="1868760" y="4114800"/>
+            <a:ext cx="6086520" cy="3051000"/>
+          </a:xfrm>
+          <a:prstGeom prst="rect">
+            <a:avLst/>
+          </a:prstGeom>
+          <a:ln>
+            <a:noFill/>
+          </a:ln>
+        </p:spPr>
+      </p:pic>
+    </p:spTree>
+  </p:cSld>
+  <p:timing>
+    <p:tnLst>
+      <p:par>
+        <p:cTn id="9" dur="indefinite" restart="never" nodeType="tmRoot">
+          <p:childTnLst>
+            <p:seq>
+              <p:cTn id="10" nodeType="mainSeq"/>
+              <p:prevCondLst>
+                <p:cond delay="0" evt="onPrev">
+                  <p:tgtEl>
+                    <p:sldTgt/>
+                  </p:tgtEl>
+                </p:cond>
+              </p:prevCondLst>
+              <p:nextCondLst>
+                <p:cond delay="0" evt="onNext">
+                  <p:tgtEl>
+                    <p:sldTgt/>
+                  </p:tgtEl>
+                </p:cond>
+              </p:nextCondLst>
+            </p:seq>
+          </p:childTnLst>
+        </p:cTn>
+      </p:par>
+    </p:tnLst>
+  </p:timing>
+</p:sld>
+</file>
+
+<file path=ppt/slides/slide6.xml><?xml version="1.0" encoding="utf-8"?>
+<p:sld xmlns:a="http://schemas.openxmlformats.org/drawingml/2006/main" xmlns:p="http://schemas.openxmlformats.org/presentationml/2006/main" xmlns:r="http://schemas.openxmlformats.org/officeDocument/2006/relationships" xmlns:p14="http://schemas.microsoft.com/office/powerpoint/2010/main" xmlns:p15="http://schemas.microsoft.com/office/powerpoint/2012/main" xmlns:mc="http://schemas.openxmlformats.org/markup-compatibility/2006">
+  <p:cSld>
+    <p:spTree>
+      <p:nvGrpSpPr>
+        <p:cNvPr id="1" name=""/>
+        <p:cNvGrpSpPr/>
+        <p:nvPr/>
+      </p:nvGrpSpPr>
+      <p:grpSpPr>
+        <a:xfrm>
+          <a:off x="0" y="0"/>
+          <a:ext cx="0" cy="0"/>
+          <a:chOff x="0" y="0"/>
+          <a:chExt cx="0" cy="0"/>
+        </a:xfrm>
+      </p:grpSpPr>
+      <p:pic>
+        <p:nvPicPr>
+          <p:cNvPr id="53" name="" descr=""/>
+          <p:cNvPicPr/>
+          <p:nvPr/>
+        </p:nvPicPr>
+        <p:blipFill>
+          <a:blip r:embed="rId1"/>
+          <a:stretch/>
+        </p:blipFill>
+        <p:spPr>
+          <a:xfrm>
+            <a:off x="4837320" y="2468880"/>
+            <a:ext cx="5038200" cy="4686120"/>
+          </a:xfrm>
+          <a:prstGeom prst="rect">
+            <a:avLst/>
+          </a:prstGeom>
+          <a:ln>
+            <a:noFill/>
+          </a:ln>
+        </p:spPr>
+      </p:pic>
+      <p:sp>
+        <p:nvSpPr>
+          <p:cNvPr id="54" name="CustomShape 1"/>
+          <p:cNvSpPr/>
+          <p:nvPr/>
+        </p:nvSpPr>
+        <p:spPr>
+          <a:xfrm>
+            <a:off x="504000" y="301320"/>
+            <a:ext cx="9071280" cy="1261800"/>
+          </a:xfrm>
+          <a:prstGeom prst="rect">
+            <a:avLst/>
+          </a:prstGeom>
+          <a:noFill/>
+          <a:ln>
+            <a:noFill/>
+          </a:ln>
+        </p:spPr>
+        <p:style>
+          <a:lnRef idx="0"/>
+          <a:fillRef idx="0"/>
+          <a:effectRef idx="0"/>
+          <a:fontRef idx="minor"/>
+        </p:style>
+        <p:txBody>
+          <a:bodyPr lIns="0" rIns="0" tIns="0" bIns="0" anchor="ctr"/>
+          <a:p>
+            <a:pPr algn="ctr">
+              <a:lnSpc>
+                <a:spcPct val="100000"/>
+              </a:lnSpc>
+            </a:pPr>
+            <a:r>
+              <a:rPr b="0" lang="en-US" sz="4400" spc="-1" strike="noStrike">
+                <a:solidFill>
+                  <a:srgbClr val="000000"/>
+                </a:solidFill>
+                <a:uFill>
+                  <a:solidFill>
+                    <a:srgbClr val="ffffff"/>
+                  </a:solidFill>
+                </a:uFill>
+                <a:latin typeface="Arial"/>
+              </a:rPr>
+              <a:t>Replica - cycleGAN</a:t>
+            </a:r>
+            <a:endParaRPr b="0" lang="en-US" sz="1800" spc="-1" strike="noStrike">
+              <a:solidFill>
+                <a:srgbClr val="000000"/>
+              </a:solidFill>
+              <a:uFill>
+                <a:solidFill>
+                  <a:srgbClr val="ffffff"/>
+                </a:solidFill>
+              </a:uFill>
+              <a:latin typeface="Arial"/>
+            </a:endParaRPr>
+          </a:p>
+        </p:txBody>
+      </p:sp>
+      <p:sp>
+        <p:nvSpPr>
+          <p:cNvPr id="55" name="CustomShape 2"/>
+          <p:cNvSpPr/>
+          <p:nvPr/>
+        </p:nvSpPr>
+        <p:spPr>
+          <a:xfrm>
+            <a:off x="504000" y="1682280"/>
+            <a:ext cx="9071280" cy="4557600"/>
+          </a:xfrm>
+          <a:prstGeom prst="rect">
+            <a:avLst/>
+          </a:prstGeom>
+          <a:noFill/>
+          <a:ln>
+            <a:noFill/>
+          </a:ln>
+        </p:spPr>
+        <p:style>
+          <a:lnRef idx="0"/>
+          <a:fillRef idx="0"/>
+          <a:effectRef idx="0"/>
+          <a:fontRef idx="minor"/>
+        </p:style>
+        <p:txBody>
+          <a:bodyPr lIns="0" rIns="0" tIns="0" bIns="0" anchor="ctr"/>
+          <a:p>
+            <a:pPr marL="216000" indent="-215640">
+              <a:lnSpc>
+                <a:spcPct val="100000"/>
+              </a:lnSpc>
+              <a:buClr>
+                <a:srgbClr val="000000"/>
+              </a:buClr>
+              <a:buFont typeface="StarSymbol"/>
+              <a:buAutoNum type="arabicParenR"/>
+            </a:pPr>
+            <a:r>
+              <a:rPr b="0" lang="en-US" sz="3200" spc="-1" strike="noStrike">
+                <a:solidFill>
+                  <a:srgbClr val="000000"/>
+                </a:solidFill>
+                <a:uFill>
+                  <a:solidFill>
+                    <a:srgbClr val="ffffff"/>
+                  </a:solidFill>
+                </a:uFill>
+                <a:latin typeface="Arial"/>
+              </a:rPr>
+              <a:t>Vanilla cycleGAN usage </a:t>
+            </a:r>
+            <a:endParaRPr b="0" lang="en-US" sz="1800" spc="-1" strike="noStrike">
+              <a:solidFill>
+                <a:srgbClr val="000000"/>
+              </a:solidFill>
+              <a:uFill>
+                <a:solidFill>
+                  <a:srgbClr val="ffffff"/>
+                </a:solidFill>
+              </a:uFill>
+              <a:latin typeface="Arial"/>
+            </a:endParaRPr>
+          </a:p>
+          <a:p>
+            <a:pPr marL="216000" indent="-215640">
+              <a:lnSpc>
+                <a:spcPct val="100000"/>
+              </a:lnSpc>
+              <a:buClr>
+                <a:srgbClr val="000000"/>
+              </a:buClr>
+              <a:buFont typeface="StarSymbol"/>
+              <a:buAutoNum type="arabicParenR"/>
+            </a:pPr>
+            <a:r>
+              <a:rPr b="0" lang="en-US" sz="3200" spc="-1" strike="noStrike">
+                <a:solidFill>
+                  <a:srgbClr val="000000"/>
+                </a:solidFill>
+                <a:uFill>
+                  <a:solidFill>
+                    <a:srgbClr val="ffffff"/>
+                  </a:solidFill>
+                </a:uFill>
+                <a:latin typeface="Arial"/>
+              </a:rPr>
+              <a:t> </a:t>
+            </a:r>
+            <a:r>
+              <a:rPr b="0" lang="en-US" sz="3200" spc="-1" strike="noStrike">
+                <a:solidFill>
+                  <a:srgbClr val="000000"/>
+                </a:solidFill>
+                <a:uFill>
+                  <a:solidFill>
+                    <a:srgbClr val="ffffff"/>
+                  </a:solidFill>
+                </a:uFill>
+                <a:latin typeface="Arial"/>
+              </a:rPr>
+              <a:t>Bad results</a:t>
+            </a:r>
+            <a:endParaRPr b="0" lang="en-US" sz="1800" spc="-1" strike="noStrike">
+              <a:solidFill>
+                <a:srgbClr val="000000"/>
+              </a:solidFill>
+              <a:uFill>
+                <a:solidFill>
+                  <a:srgbClr val="ffffff"/>
+                </a:solidFill>
+              </a:uFill>
+              <a:latin typeface="Arial"/>
+            </a:endParaRPr>
+          </a:p>
+          <a:p>
+            <a:pPr marL="216000" indent="-215640">
+              <a:lnSpc>
+                <a:spcPct val="100000"/>
+              </a:lnSpc>
+              <a:buClr>
+                <a:srgbClr val="000000"/>
+              </a:buClr>
+              <a:buFont typeface="StarSymbol"/>
+              <a:buAutoNum type="arabicParenR"/>
+            </a:pPr>
+            <a:r>
+              <a:rPr b="0" lang="en-US" sz="3200" spc="-1" strike="noStrike">
+                <a:solidFill>
+                  <a:srgbClr val="000000"/>
+                </a:solidFill>
+                <a:uFill>
+                  <a:solidFill>
+                    <a:srgbClr val="ffffff"/>
+                  </a:solidFill>
+                </a:uFill>
+                <a:latin typeface="Arial"/>
+              </a:rPr>
+              <a:t> </a:t>
+            </a:r>
+            <a:r>
+              <a:rPr b="0" lang="en-US" sz="3200" spc="-1" strike="noStrike">
+                <a:solidFill>
+                  <a:srgbClr val="000000"/>
+                </a:solidFill>
+                <a:uFill>
+                  <a:solidFill>
+                    <a:srgbClr val="ffffff"/>
+                  </a:solidFill>
+                </a:uFill>
+                <a:latin typeface="Arial"/>
+              </a:rPr>
+              <a:t>prohibitive in time</a:t>
+            </a:r>
+            <a:endParaRPr b="0" lang="en-US" sz="1800" spc="-1" strike="noStrike">
+              <a:solidFill>
+                <a:srgbClr val="000000"/>
+              </a:solidFill>
+              <a:uFill>
+                <a:solidFill>
+                  <a:srgbClr val="ffffff"/>
+                </a:solidFill>
+              </a:uFill>
+              <a:latin typeface="Arial"/>
+            </a:endParaRPr>
+          </a:p>
+          <a:p>
+            <a:pPr marL="216000" indent="-215640">
+              <a:lnSpc>
+                <a:spcPct val="100000"/>
+              </a:lnSpc>
+              <a:buClr>
+                <a:srgbClr val="000000"/>
+              </a:buClr>
+              <a:buFont typeface="StarSymbol"/>
+              <a:buAutoNum type="arabicParenR"/>
+            </a:pPr>
+            <a:r>
+              <a:rPr b="0" lang="en-US" sz="3200" spc="-1" strike="noStrike">
+                <a:solidFill>
+                  <a:srgbClr val="000000"/>
+                </a:solidFill>
+                <a:uFill>
+                  <a:solidFill>
+                    <a:srgbClr val="ffffff"/>
+                  </a:solidFill>
+                </a:uFill>
+                <a:latin typeface="Arial"/>
+              </a:rPr>
+              <a:t> </a:t>
+            </a:r>
+            <a:endParaRPr b="0" lang="en-US" sz="1800" spc="-1" strike="noStrike">
+              <a:solidFill>
+                <a:srgbClr val="000000"/>
+              </a:solidFill>
+              <a:uFill>
+                <a:solidFill>
+                  <a:srgbClr val="ffffff"/>
+                </a:solidFill>
+              </a:uFill>
+              <a:latin typeface="Arial"/>
+            </a:endParaRPr>
+          </a:p>
+          <a:p>
+            <a:pPr algn="ctr">
+              <a:lnSpc>
+                <a:spcPct val="100000"/>
+              </a:lnSpc>
+            </a:pPr>
+            <a:endParaRPr b="0" lang="en-US" sz="1800" spc="-1" strike="noStrike">
+              <a:solidFill>
+                <a:srgbClr val="000000"/>
+              </a:solidFill>
+              <a:uFill>
+                <a:solidFill>
+                  <a:srgbClr val="ffffff"/>
+                </a:solidFill>
+              </a:uFill>
+              <a:latin typeface="Arial"/>
+            </a:endParaRPr>
+          </a:p>
+          <a:p>
+            <a:pPr algn="ctr">
+              <a:lnSpc>
+                <a:spcPct val="100000"/>
+              </a:lnSpc>
+            </a:pPr>
+            <a:r>
+              <a:rPr b="0" lang="en-US" sz="3200" spc="-1" strike="noStrike">
+                <a:solidFill>
+                  <a:srgbClr val="000000"/>
+                </a:solidFill>
+                <a:uFill>
+                  <a:solidFill>
+                    <a:srgbClr val="ffffff"/>
+                  </a:solidFill>
+                </a:uFill>
+                <a:latin typeface="Arial"/>
+              </a:rPr>
+              <a:t>	</a:t>
+            </a:r>
+            <a:endParaRPr b="0" lang="en-US" sz="1800" spc="-1" strike="noStrike">
+              <a:solidFill>
+                <a:srgbClr val="000000"/>
+              </a:solidFill>
+              <a:uFill>
+                <a:solidFill>
+                  <a:srgbClr val="ffffff"/>
+                </a:solidFill>
+              </a:uFill>
+              <a:latin typeface="Arial"/>
+            </a:endParaRPr>
+          </a:p>
+        </p:txBody>
+      </p:sp>
+    </p:spTree>
+  </p:cSld>
+  <p:timing>
+    <p:tnLst>
+      <p:par>
+        <p:cTn id="11" dur="indefinite" restart="never" nodeType="tmRoot">
+          <p:childTnLst>
+            <p:seq>
+              <p:cTn id="12" nodeType="mainSeq"/>
+              <p:prevCondLst>
+                <p:cond delay="0" evt="onPrev">
+                  <p:tgtEl>
+                    <p:sldTgt/>
+                  </p:tgtEl>
+                </p:cond>
+              </p:prevCondLst>
+              <p:nextCondLst>
+                <p:cond delay="0" evt="onNext">
+                  <p:tgtEl>
+                    <p:sldTgt/>
+                  </p:tgtEl>
+                </p:cond>
+              </p:nextCondLst>
+            </p:seq>
+          </p:childTnLst>
+        </p:cTn>
+      </p:par>
+    </p:tnLst>
+  </p:timing>
+</p:sld>
+</file>
+
+<file path=ppt/slides/slide7.xml><?xml version="1.0" encoding="utf-8"?>
+<p:sld xmlns:a="http://schemas.openxmlformats.org/drawingml/2006/main" xmlns:p="http://schemas.openxmlformats.org/presentationml/2006/main" xmlns:r="http://schemas.openxmlformats.org/officeDocument/2006/relationships" xmlns:p14="http://schemas.microsoft.com/office/powerpoint/2010/main" xmlns:p15="http://schemas.microsoft.com/office/powerpoint/2012/main" xmlns:mc="http://schemas.openxmlformats.org/markup-compatibility/2006">
+  <p:cSld>
+    <p:spTree>
+      <p:nvGrpSpPr>
+        <p:cNvPr id="1" name=""/>
+        <p:cNvGrpSpPr/>
+        <p:nvPr/>
+      </p:nvGrpSpPr>
+      <p:grpSpPr>
+        <a:xfrm>
+          <a:off x="0" y="0"/>
+          <a:ext cx="0" cy="0"/>
+          <a:chOff x="0" y="0"/>
+          <a:chExt cx="0" cy="0"/>
+        </a:xfrm>
+      </p:grpSpPr>
+      <p:sp>
+        <p:nvSpPr>
+          <p:cNvPr id="56" name="CustomShape 1"/>
+          <p:cNvSpPr/>
+          <p:nvPr/>
+        </p:nvSpPr>
+        <p:spPr>
+          <a:xfrm>
+            <a:off x="504000" y="301320"/>
+            <a:ext cx="9071280" cy="1261800"/>
+          </a:xfrm>
+          <a:prstGeom prst="rect">
+            <a:avLst/>
+          </a:prstGeom>
+          <a:noFill/>
+          <a:ln>
+            <a:noFill/>
+          </a:ln>
+        </p:spPr>
+        <p:style>
+          <a:lnRef idx="0"/>
+          <a:fillRef idx="0"/>
+          <a:effectRef idx="0"/>
+          <a:fontRef idx="minor"/>
+        </p:style>
+        <p:txBody>
+          <a:bodyPr lIns="0" rIns="0" tIns="0" bIns="0" anchor="ctr"/>
+          <a:p>
+            <a:pPr algn="ctr">
+              <a:lnSpc>
+                <a:spcPct val="100000"/>
+              </a:lnSpc>
+            </a:pPr>
+            <a:r>
+              <a:rPr b="0" lang="en-US" sz="4400" spc="-1" strike="noStrike">
+                <a:solidFill>
+                  <a:srgbClr val="000000"/>
+                </a:solidFill>
+                <a:uFill>
+                  <a:solidFill>
+                    <a:srgbClr val="ffffff"/>
+                  </a:solidFill>
+                </a:uFill>
+                <a:latin typeface="Arial"/>
+              </a:rPr>
+              <a:t>Replica - Customizations</a:t>
+            </a:r>
+            <a:endParaRPr b="0" lang="en-US" sz="1800" spc="-1" strike="noStrike">
+              <a:solidFill>
+                <a:srgbClr val="000000"/>
+              </a:solidFill>
+              <a:uFill>
+                <a:solidFill>
+                  <a:srgbClr val="ffffff"/>
+                </a:solidFill>
+              </a:uFill>
+              <a:latin typeface="Arial"/>
+            </a:endParaRPr>
+          </a:p>
+        </p:txBody>
+      </p:sp>
+      <p:sp>
+        <p:nvSpPr>
+          <p:cNvPr id="57" name="CustomShape 2"/>
+          <p:cNvSpPr/>
+          <p:nvPr/>
+        </p:nvSpPr>
+        <p:spPr>
+          <a:xfrm>
+            <a:off x="504000" y="1682280"/>
+            <a:ext cx="9071280" cy="4557600"/>
+          </a:xfrm>
+          <a:prstGeom prst="rect">
+            <a:avLst/>
+          </a:prstGeom>
+          <a:noFill/>
+          <a:ln>
+            <a:noFill/>
+          </a:ln>
+        </p:spPr>
+        <p:style>
+          <a:lnRef idx="0"/>
+          <a:fillRef idx="0"/>
+          <a:effectRef idx="0"/>
+          <a:fontRef idx="minor"/>
+        </p:style>
+        <p:txBody>
+          <a:bodyPr lIns="0" rIns="0" tIns="0" bIns="0" anchor="ctr"/>
+          <a:p>
+            <a:pPr marL="216000" indent="-215640">
+              <a:lnSpc>
+                <a:spcPct val="100000"/>
+              </a:lnSpc>
+              <a:buClr>
+                <a:srgbClr val="000000"/>
+              </a:buClr>
+              <a:buFont typeface="StarSymbol"/>
+              <a:buAutoNum type="arabicParenR"/>
+            </a:pPr>
+            <a:r>
+              <a:rPr b="0" lang="en-US" sz="3200" spc="-1" strike="noStrike">
+                <a:solidFill>
+                  <a:srgbClr val="000000"/>
+                </a:solidFill>
+                <a:uFill>
+                  <a:solidFill>
+                    <a:srgbClr val="ffffff"/>
+                  </a:solidFill>
+                </a:uFill>
+                <a:latin typeface="Arial"/>
+              </a:rPr>
+              <a:t>Input size reduction to 64x64 pixels </a:t>
+            </a:r>
+            <a:endParaRPr b="0" lang="en-US" sz="1800" spc="-1" strike="noStrike">
+              <a:solidFill>
+                <a:srgbClr val="000000"/>
+              </a:solidFill>
+              <a:uFill>
+                <a:solidFill>
+                  <a:srgbClr val="ffffff"/>
+                </a:solidFill>
+              </a:uFill>
+              <a:latin typeface="Arial"/>
+            </a:endParaRPr>
+          </a:p>
+          <a:p>
+            <a:pPr marL="216000" indent="-215640">
+              <a:lnSpc>
+                <a:spcPct val="100000"/>
+              </a:lnSpc>
+              <a:buClr>
+                <a:srgbClr val="000000"/>
+              </a:buClr>
+              <a:buFont typeface="StarSymbol"/>
+              <a:buAutoNum type="arabicParenR"/>
+            </a:pPr>
+            <a:r>
+              <a:rPr b="0" lang="en-US" sz="3200" spc="-1" strike="noStrike">
+                <a:solidFill>
+                  <a:srgbClr val="000000"/>
+                </a:solidFill>
+                <a:uFill>
+                  <a:solidFill>
+                    <a:srgbClr val="ffffff"/>
+                  </a:solidFill>
+                </a:uFill>
+                <a:latin typeface="Arial"/>
+              </a:rPr>
+              <a:t> </a:t>
+            </a:r>
+            <a:r>
+              <a:rPr b="0" lang="en-US" sz="3200" spc="-1" strike="noStrike">
+                <a:solidFill>
+                  <a:srgbClr val="000000"/>
+                </a:solidFill>
+                <a:uFill>
+                  <a:solidFill>
+                    <a:srgbClr val="ffffff"/>
+                  </a:solidFill>
+                </a:uFill>
+                <a:latin typeface="Arial"/>
+              </a:rPr>
+              <a:t>Feasible </a:t>
+            </a:r>
+            <a:endParaRPr b="0" lang="en-US" sz="1800" spc="-1" strike="noStrike">
+              <a:solidFill>
+                <a:srgbClr val="000000"/>
+              </a:solidFill>
+              <a:uFill>
+                <a:solidFill>
+                  <a:srgbClr val="ffffff"/>
+                </a:solidFill>
+              </a:uFill>
+              <a:latin typeface="Arial"/>
+            </a:endParaRPr>
+          </a:p>
+          <a:p>
+            <a:pPr marL="216000" indent="-215640">
+              <a:lnSpc>
+                <a:spcPct val="100000"/>
+              </a:lnSpc>
+              <a:buClr>
+                <a:srgbClr val="000000"/>
+              </a:buClr>
+              <a:buFont typeface="StarSymbol"/>
+              <a:buAutoNum type="arabicParenR"/>
+            </a:pPr>
+            <a:r>
+              <a:rPr b="0" lang="en-US" sz="3200" spc="-1" strike="noStrike">
+                <a:solidFill>
+                  <a:srgbClr val="000000"/>
+                </a:solidFill>
+                <a:uFill>
+                  <a:solidFill>
+                    <a:srgbClr val="ffffff"/>
+                  </a:solidFill>
+                </a:uFill>
+                <a:latin typeface="Arial"/>
+              </a:rPr>
+              <a:t> </a:t>
+            </a:r>
+            <a:r>
+              <a:rPr b="0" lang="en-US" sz="3200" spc="-1" strike="noStrike">
+                <a:solidFill>
+                  <a:srgbClr val="000000"/>
+                </a:solidFill>
+                <a:uFill>
+                  <a:solidFill>
+                    <a:srgbClr val="ffffff"/>
+                  </a:solidFill>
+                </a:uFill>
+                <a:latin typeface="Arial"/>
+              </a:rPr>
+              <a:t>Blurry images </a:t>
+            </a:r>
+            <a:endParaRPr b="0" lang="en-US" sz="1800" spc="-1" strike="noStrike">
+              <a:solidFill>
+                <a:srgbClr val="000000"/>
+              </a:solidFill>
+              <a:uFill>
+                <a:solidFill>
+                  <a:srgbClr val="ffffff"/>
+                </a:solidFill>
+              </a:uFill>
+              <a:latin typeface="Arial"/>
+            </a:endParaRPr>
+          </a:p>
+          <a:p>
+            <a:pPr>
+              <a:lnSpc>
+                <a:spcPct val="100000"/>
+              </a:lnSpc>
+            </a:pPr>
+            <a:r>
+              <a:rPr b="0" lang="en-US" sz="3200" spc="-1" strike="noStrike">
+                <a:solidFill>
+                  <a:srgbClr val="000000"/>
+                </a:solidFill>
+                <a:uFill>
+                  <a:solidFill>
+                    <a:srgbClr val="ffffff"/>
+                  </a:solidFill>
+                </a:uFill>
+                <a:latin typeface="Arial"/>
+              </a:rPr>
+              <a:t>	</a:t>
+            </a:r>
+            <a:endParaRPr b="0" lang="en-US" sz="1800" spc="-1" strike="noStrike">
+              <a:solidFill>
+                <a:srgbClr val="000000"/>
+              </a:solidFill>
+              <a:uFill>
+                <a:solidFill>
+                  <a:srgbClr val="ffffff"/>
+                </a:solidFill>
+              </a:uFill>
+              <a:latin typeface="Arial"/>
+            </a:endParaRPr>
+          </a:p>
+        </p:txBody>
+      </p:sp>
+      <p:pic>
+        <p:nvPicPr>
+          <p:cNvPr id="58" name="" descr=""/>
+          <p:cNvPicPr/>
+          <p:nvPr/>
+        </p:nvPicPr>
+        <p:blipFill>
+          <a:blip r:embed="rId1"/>
+          <a:stretch/>
+        </p:blipFill>
+        <p:spPr>
+          <a:xfrm>
+            <a:off x="2286000" y="4754880"/>
+            <a:ext cx="4756320" cy="2377440"/>
+          </a:xfrm>
+          <a:prstGeom prst="rect">
+            <a:avLst/>
+          </a:prstGeom>
+          <a:ln>
+            <a:noFill/>
+          </a:ln>
+        </p:spPr>
+      </p:pic>
+    </p:spTree>
+  </p:cSld>
+  <p:timing>
+    <p:tnLst>
+      <p:par>
+        <p:cTn id="13" dur="indefinite" restart="never" nodeType="tmRoot">
+          <p:childTnLst>
+            <p:seq>
+              <p:cTn id="14" nodeType="mainSeq"/>
+              <p:prevCondLst>
+                <p:cond delay="0" evt="onPrev">
+                  <p:tgtEl>
+                    <p:sldTgt/>
+                  </p:tgtEl>
+                </p:cond>
+              </p:prevCondLst>
+              <p:nextCondLst>
+                <p:cond delay="0" evt="onNext">
+                  <p:tgtEl>
+                    <p:sldTgt/>
+                  </p:tgtEl>
+                </p:cond>
+              </p:nextCondLst>
+            </p:seq>
+          </p:childTnLst>
+        </p:cTn>
+      </p:par>
+    </p:tnLst>
+  </p:timing>
+</p:sld>
+</file>
+
+<file path=ppt/slides/slide8.xml><?xml version="1.0" encoding="utf-8"?>
+<p:sld xmlns:a="http://schemas.openxmlformats.org/drawingml/2006/main" xmlns:p="http://schemas.openxmlformats.org/presentationml/2006/main" xmlns:r="http://schemas.openxmlformats.org/officeDocument/2006/relationships" xmlns:p14="http://schemas.microsoft.com/office/powerpoint/2010/main" xmlns:p15="http://schemas.microsoft.com/office/powerpoint/2012/main" xmlns:mc="http://schemas.openxmlformats.org/markup-compatibility/2006">
+  <p:cSld>
+    <p:spTree>
+      <p:nvGrpSpPr>
+        <p:cNvPr id="1" name=""/>
+        <p:cNvGrpSpPr/>
+        <p:nvPr/>
+      </p:nvGrpSpPr>
+      <p:grpSpPr>
+        <a:xfrm>
+          <a:off x="0" y="0"/>
+          <a:ext cx="0" cy="0"/>
+          <a:chOff x="0" y="0"/>
+          <a:chExt cx="0" cy="0"/>
+        </a:xfrm>
+      </p:grpSpPr>
+      <p:sp>
+        <p:nvSpPr>
+          <p:cNvPr id="59" name="CustomShape 1"/>
+          <p:cNvSpPr/>
+          <p:nvPr/>
+        </p:nvSpPr>
+        <p:spPr>
+          <a:xfrm>
+            <a:off x="504000" y="301320"/>
+            <a:ext cx="9071280" cy="1261800"/>
+          </a:xfrm>
+          <a:prstGeom prst="rect">
+            <a:avLst/>
+          </a:prstGeom>
+          <a:noFill/>
+          <a:ln>
+            <a:noFill/>
+          </a:ln>
+        </p:spPr>
+        <p:style>
+          <a:lnRef idx="0"/>
+          <a:fillRef idx="0"/>
+          <a:effectRef idx="0"/>
+          <a:fontRef idx="minor"/>
+        </p:style>
+        <p:txBody>
+          <a:bodyPr lIns="0" rIns="0" tIns="0" bIns="0" anchor="ctr"/>
+          <a:p>
+            <a:pPr algn="ctr">
+              <a:lnSpc>
+                <a:spcPct val="100000"/>
+              </a:lnSpc>
+            </a:pPr>
+            <a:r>
+              <a:rPr b="0" lang="en-US" sz="4400" spc="-1" strike="noStrike">
+                <a:solidFill>
+                  <a:srgbClr val="000000"/>
+                </a:solidFill>
+                <a:uFill>
+                  <a:solidFill>
+                    <a:srgbClr val="ffffff"/>
+                  </a:solidFill>
+                </a:uFill>
+                <a:latin typeface="Arial"/>
+              </a:rPr>
+              <a:t>Replica - Customizations</a:t>
+            </a:r>
+            <a:endParaRPr b="0" lang="en-US" sz="1800" spc="-1" strike="noStrike">
+              <a:solidFill>
+                <a:srgbClr val="000000"/>
+              </a:solidFill>
+              <a:uFill>
+                <a:solidFill>
+                  <a:srgbClr val="ffffff"/>
+                </a:solidFill>
+              </a:uFill>
+              <a:latin typeface="Arial"/>
+            </a:endParaRPr>
+          </a:p>
+        </p:txBody>
+      </p:sp>
+      <p:sp>
+        <p:nvSpPr>
+          <p:cNvPr id="60" name="CustomShape 2"/>
+          <p:cNvSpPr/>
+          <p:nvPr/>
+        </p:nvSpPr>
+        <p:spPr>
+          <a:xfrm>
+            <a:off x="504000" y="1682280"/>
+            <a:ext cx="9071280" cy="4557600"/>
+          </a:xfrm>
+          <a:prstGeom prst="rect">
+            <a:avLst/>
+          </a:prstGeom>
+          <a:noFill/>
+          <a:ln>
+            <a:noFill/>
+          </a:ln>
+        </p:spPr>
+        <p:style>
+          <a:lnRef idx="0"/>
+          <a:fillRef idx="0"/>
+          <a:effectRef idx="0"/>
+          <a:fontRef idx="minor"/>
+        </p:style>
+        <p:txBody>
+          <a:bodyPr lIns="0" rIns="0" tIns="0" bIns="0" anchor="ctr"/>
+          <a:p>
+            <a:pPr marL="216000" indent="-215640">
+              <a:lnSpc>
+                <a:spcPct val="100000"/>
+              </a:lnSpc>
+              <a:buClr>
+                <a:srgbClr val="000000"/>
+              </a:buClr>
+              <a:buFont typeface="StarSymbol"/>
+              <a:buAutoNum type="arabicParenR"/>
+            </a:pPr>
+            <a:r>
+              <a:rPr b="0" lang="en-US" sz="3200" spc="-1" strike="noStrike">
+                <a:solidFill>
+                  <a:srgbClr val="000000"/>
+                </a:solidFill>
+                <a:uFill>
+                  <a:solidFill>
+                    <a:srgbClr val="ffffff"/>
+                  </a:solidFill>
+                </a:uFill>
+                <a:latin typeface="Arial"/>
+              </a:rPr>
+              <a:t>Modify G and D networks </a:t>
+            </a:r>
+            <a:endParaRPr b="0" lang="en-US" sz="1800" spc="-1" strike="noStrike">
+              <a:solidFill>
+                <a:srgbClr val="000000"/>
+              </a:solidFill>
+              <a:uFill>
+                <a:solidFill>
+                  <a:srgbClr val="ffffff"/>
+                </a:solidFill>
+              </a:uFill>
+              <a:latin typeface="Arial"/>
+            </a:endParaRPr>
+          </a:p>
+          <a:p>
+            <a:pPr marL="216000" indent="-215640">
+              <a:lnSpc>
+                <a:spcPct val="100000"/>
+              </a:lnSpc>
               <a:buClr>
                 <a:srgbClr val="000000"/>
               </a:buClr>
@@ -2555,20 +4734,23 @@
               </a:rPr>
               <a:t>networks are built and trained from scratch </a:t>
             </a:r>
-            <a:endParaRPr b="0" lang="en-US" sz="3200" spc="-1" strike="noStrike">
-              <a:solidFill>
-                <a:srgbClr val="000000"/>
-              </a:solidFill>
-              <a:uFill>
-                <a:solidFill>
-                  <a:srgbClr val="ffffff"/>
-                </a:solidFill>
-              </a:uFill>
-              <a:latin typeface="Arial"/>
-            </a:endParaRPr>
-          </a:p>
-          <a:p>
-            <a:pPr marL="216000" indent="-216000">
+            <a:endParaRPr b="0" lang="en-US" sz="1800" spc="-1" strike="noStrike">
+              <a:solidFill>
+                <a:srgbClr val="000000"/>
+              </a:solidFill>
+              <a:uFill>
+                <a:solidFill>
+                  <a:srgbClr val="ffffff"/>
+                </a:solidFill>
+              </a:uFill>
+              <a:latin typeface="Arial"/>
+            </a:endParaRPr>
+          </a:p>
+          <a:p>
+            <a:pPr marL="216000" indent="-215640">
+              <a:lnSpc>
+                <a:spcPct val="100000"/>
+              </a:lnSpc>
               <a:buClr>
                 <a:srgbClr val="000000"/>
               </a:buClr>
@@ -2602,36 +4784,32 @@
                 </a:uFill>
                 <a:latin typeface="Arial"/>
               </a:rPr>
-              <a:t>no pooling layers, we removed entire ResNet blocks, similar for PathGAN</a:t>
-            </a:r>
-            <a:endParaRPr b="0" lang="en-US" sz="3200" spc="-1" strike="noStrike">
-              <a:solidFill>
-                <a:srgbClr val="000000"/>
-              </a:solidFill>
-              <a:uFill>
-                <a:solidFill>
-                  <a:srgbClr val="ffffff"/>
-                </a:solidFill>
-              </a:uFill>
-              <a:latin typeface="Arial"/>
-            </a:endParaRPr>
-          </a:p>
-          <a:p>
-            <a:pPr algn="ctr"/>
-            <a:endParaRPr b="0" lang="en-US" sz="3200" spc="-1" strike="noStrike">
-              <a:solidFill>
-                <a:srgbClr val="000000"/>
-              </a:solidFill>
-              <a:uFill>
-                <a:solidFill>
-                  <a:srgbClr val="ffffff"/>
-                </a:solidFill>
-              </a:uFill>
-              <a:latin typeface="Arial"/>
-            </a:endParaRPr>
-          </a:p>
-          <a:p>
-            <a:pPr algn="ctr"/>
+              <a:t>no pooling layers found</a:t>
+            </a:r>
+            <a:endParaRPr b="0" lang="en-US" sz="1800" spc="-1" strike="noStrike">
+              <a:solidFill>
+                <a:srgbClr val="000000"/>
+              </a:solidFill>
+              <a:uFill>
+                <a:solidFill>
+                  <a:srgbClr val="ffffff"/>
+                </a:solidFill>
+              </a:uFill>
+              <a:latin typeface="Arial"/>
+            </a:endParaRPr>
+          </a:p>
+          <a:p>
+            <a:pPr marL="216000" indent="-215640">
+              <a:lnSpc>
+                <a:spcPct val="100000"/>
+              </a:lnSpc>
+              <a:buClr>
+                <a:srgbClr val="000000"/>
+              </a:buClr>
+              <a:buSzPct val="45000"/>
+              <a:buFont typeface="Wingdings" charset="2"/>
+              <a:buChar char=""/>
+            </a:pPr>
             <a:r>
               <a:rPr b="0" lang="en-US" sz="3200" spc="-1" strike="noStrike">
                 <a:solidFill>
@@ -2644,9 +4822,41 @@
                 </a:uFill>
                 <a:latin typeface="Arial"/>
               </a:rPr>
+              <a:t> </a:t>
+            </a:r>
+            <a:endParaRPr b="0" lang="en-US" sz="1800" spc="-1" strike="noStrike">
+              <a:solidFill>
+                <a:srgbClr val="000000"/>
+              </a:solidFill>
+              <a:uFill>
+                <a:solidFill>
+                  <a:srgbClr val="ffffff"/>
+                </a:solidFill>
+              </a:uFill>
+              <a:latin typeface="Arial"/>
+            </a:endParaRPr>
+          </a:p>
+          <a:p>
+            <a:pPr algn="ctr">
+              <a:lnSpc>
+                <a:spcPct val="100000"/>
+              </a:lnSpc>
+            </a:pPr>
+            <a:r>
+              <a:rPr b="0" lang="en-US" sz="3200" spc="-1" strike="noStrike">
+                <a:solidFill>
+                  <a:srgbClr val="000000"/>
+                </a:solidFill>
+                <a:uFill>
+                  <a:solidFill>
+                    <a:srgbClr val="ffffff"/>
+                  </a:solidFill>
+                </a:uFill>
+                <a:latin typeface="Arial"/>
+              </a:rPr>
               <a:t>	</a:t>
             </a:r>
-            <a:endParaRPr b="0" lang="en-US" sz="3200" spc="-1" strike="noStrike">
+            <a:endParaRPr b="0" lang="en-US" sz="1800" spc="-1" strike="noStrike">
               <a:solidFill>
                 <a:srgbClr val="000000"/>
               </a:solidFill>
@@ -2660,8 +4870,630 @@
           </a:p>
         </p:txBody>
       </p:sp>
+      <p:pic>
+        <p:nvPicPr>
+          <p:cNvPr id="61" name="" descr=""/>
+          <p:cNvPicPr/>
+          <p:nvPr/>
+        </p:nvPicPr>
+        <p:blipFill>
+          <a:blip r:embed="rId1"/>
+          <a:stretch/>
+        </p:blipFill>
+        <p:spPr>
+          <a:xfrm>
+            <a:off x="1188720" y="4378320"/>
+            <a:ext cx="7657920" cy="2936880"/>
+          </a:xfrm>
+          <a:prstGeom prst="rect">
+            <a:avLst/>
+          </a:prstGeom>
+          <a:ln>
+            <a:noFill/>
+          </a:ln>
+        </p:spPr>
+      </p:pic>
+      <p:pic>
+        <p:nvPicPr>
+          <p:cNvPr id="62" name="" descr=""/>
+          <p:cNvPicPr/>
+          <p:nvPr/>
+        </p:nvPicPr>
+        <p:blipFill>
+          <a:blip r:embed="rId2"/>
+          <a:stretch/>
+        </p:blipFill>
+        <p:spPr>
+          <a:xfrm>
+            <a:off x="6309360" y="1682280"/>
+            <a:ext cx="2399760" cy="1351800"/>
+          </a:xfrm>
+          <a:prstGeom prst="rect">
+            <a:avLst/>
+          </a:prstGeom>
+          <a:ln>
+            <a:noFill/>
+          </a:ln>
+        </p:spPr>
+      </p:pic>
     </p:spTree>
   </p:cSld>
+  <p:timing>
+    <p:tnLst>
+      <p:par>
+        <p:cTn id="15" dur="indefinite" restart="never" nodeType="tmRoot">
+          <p:childTnLst>
+            <p:seq>
+              <p:cTn id="16" nodeType="mainSeq"/>
+              <p:prevCondLst>
+                <p:cond delay="0" evt="onPrev">
+                  <p:tgtEl>
+                    <p:sldTgt/>
+                  </p:tgtEl>
+                </p:cond>
+              </p:prevCondLst>
+              <p:nextCondLst>
+                <p:cond delay="0" evt="onNext">
+                  <p:tgtEl>
+                    <p:sldTgt/>
+                  </p:tgtEl>
+                </p:cond>
+              </p:nextCondLst>
+            </p:seq>
+          </p:childTnLst>
+        </p:cTn>
+      </p:par>
+    </p:tnLst>
+  </p:timing>
+</p:sld>
+</file>
+
+<file path=ppt/slides/slide9.xml><?xml version="1.0" encoding="utf-8"?>
+<p:sld xmlns:a="http://schemas.openxmlformats.org/drawingml/2006/main" xmlns:p="http://schemas.openxmlformats.org/presentationml/2006/main" xmlns:r="http://schemas.openxmlformats.org/officeDocument/2006/relationships" xmlns:p14="http://schemas.microsoft.com/office/powerpoint/2010/main" xmlns:p15="http://schemas.microsoft.com/office/powerpoint/2012/main" xmlns:mc="http://schemas.openxmlformats.org/markup-compatibility/2006">
+  <p:cSld>
+    <p:spTree>
+      <p:nvGrpSpPr>
+        <p:cNvPr id="1" name=""/>
+        <p:cNvGrpSpPr/>
+        <p:nvPr/>
+      </p:nvGrpSpPr>
+      <p:grpSpPr>
+        <a:xfrm>
+          <a:off x="0" y="0"/>
+          <a:ext cx="0" cy="0"/>
+          <a:chOff x="0" y="0"/>
+          <a:chExt cx="0" cy="0"/>
+        </a:xfrm>
+      </p:grpSpPr>
+      <p:sp>
+        <p:nvSpPr>
+          <p:cNvPr id="63" name="CustomShape 1"/>
+          <p:cNvSpPr/>
+          <p:nvPr/>
+        </p:nvSpPr>
+        <p:spPr>
+          <a:xfrm>
+            <a:off x="504000" y="301320"/>
+            <a:ext cx="9071280" cy="1261800"/>
+          </a:xfrm>
+          <a:prstGeom prst="rect">
+            <a:avLst/>
+          </a:prstGeom>
+          <a:noFill/>
+          <a:ln>
+            <a:noFill/>
+          </a:ln>
+        </p:spPr>
+        <p:style>
+          <a:lnRef idx="0"/>
+          <a:fillRef idx="0"/>
+          <a:effectRef idx="0"/>
+          <a:fontRef idx="minor"/>
+        </p:style>
+        <p:txBody>
+          <a:bodyPr lIns="0" rIns="0" tIns="0" bIns="0" anchor="ctr"/>
+          <a:p>
+            <a:pPr algn="ctr">
+              <a:lnSpc>
+                <a:spcPct val="100000"/>
+              </a:lnSpc>
+            </a:pPr>
+            <a:r>
+              <a:rPr b="0" lang="en-US" sz="4400" spc="-1" strike="noStrike">
+                <a:solidFill>
+                  <a:srgbClr val="000000"/>
+                </a:solidFill>
+                <a:uFill>
+                  <a:solidFill>
+                    <a:srgbClr val="ffffff"/>
+                  </a:solidFill>
+                </a:uFill>
+                <a:latin typeface="Arial"/>
+              </a:rPr>
+              <a:t>Replica - Customizations</a:t>
+            </a:r>
+            <a:endParaRPr b="0" lang="en-US" sz="1800" spc="-1" strike="noStrike">
+              <a:solidFill>
+                <a:srgbClr val="000000"/>
+              </a:solidFill>
+              <a:uFill>
+                <a:solidFill>
+                  <a:srgbClr val="ffffff"/>
+                </a:solidFill>
+              </a:uFill>
+              <a:latin typeface="Arial"/>
+            </a:endParaRPr>
+          </a:p>
+        </p:txBody>
+      </p:sp>
+      <p:sp>
+        <p:nvSpPr>
+          <p:cNvPr id="64" name="CustomShape 2"/>
+          <p:cNvSpPr/>
+          <p:nvPr/>
+        </p:nvSpPr>
+        <p:spPr>
+          <a:xfrm>
+            <a:off x="504000" y="1682280"/>
+            <a:ext cx="9071280" cy="4557600"/>
+          </a:xfrm>
+          <a:prstGeom prst="rect">
+            <a:avLst/>
+          </a:prstGeom>
+          <a:noFill/>
+          <a:ln>
+            <a:noFill/>
+          </a:ln>
+        </p:spPr>
+        <p:style>
+          <a:lnRef idx="0"/>
+          <a:fillRef idx="0"/>
+          <a:effectRef idx="0"/>
+          <a:fontRef idx="minor"/>
+        </p:style>
+        <p:txBody>
+          <a:bodyPr lIns="0" rIns="0" tIns="0" bIns="0" anchor="ctr"/>
+          <a:p>
+            <a:pPr marL="216000" indent="-215640">
+              <a:lnSpc>
+                <a:spcPct val="100000"/>
+              </a:lnSpc>
+              <a:buClr>
+                <a:srgbClr val="000000"/>
+              </a:buClr>
+              <a:buSzPct val="45000"/>
+              <a:buFont typeface="Wingdings" charset="2"/>
+              <a:buChar char=""/>
+            </a:pPr>
+            <a:r>
+              <a:rPr b="0" lang="en-US" sz="3200" spc="-1" strike="noStrike">
+                <a:solidFill>
+                  <a:srgbClr val="000000"/>
+                </a:solidFill>
+                <a:uFill>
+                  <a:solidFill>
+                    <a:srgbClr val="ffffff"/>
+                  </a:solidFill>
+                </a:uFill>
+                <a:latin typeface="Arial"/>
+              </a:rPr>
+              <a:t>Modify G and D networks:</a:t>
+            </a:r>
+            <a:endParaRPr b="0" lang="en-US" sz="1800" spc="-1" strike="noStrike">
+              <a:solidFill>
+                <a:srgbClr val="000000"/>
+              </a:solidFill>
+              <a:uFill>
+                <a:solidFill>
+                  <a:srgbClr val="ffffff"/>
+                </a:solidFill>
+              </a:uFill>
+              <a:latin typeface="Arial"/>
+            </a:endParaRPr>
+          </a:p>
+          <a:p>
+            <a:pPr marL="216000" indent="-215640">
+              <a:lnSpc>
+                <a:spcPct val="100000"/>
+              </a:lnSpc>
+              <a:buClr>
+                <a:srgbClr val="000000"/>
+              </a:buClr>
+              <a:buSzPct val="45000"/>
+              <a:buFont typeface="Wingdings" charset="2"/>
+              <a:buChar char=""/>
+            </a:pPr>
+            <a:r>
+              <a:rPr b="0" lang="en-US" sz="2200" spc="-1" strike="noStrike">
+                <a:solidFill>
+                  <a:srgbClr val="000000"/>
+                </a:solidFill>
+                <a:uFill>
+                  <a:solidFill>
+                    <a:srgbClr val="ffffff"/>
+                  </a:solidFill>
+                </a:uFill>
+                <a:latin typeface="Arial"/>
+              </a:rPr>
+              <a:t>the number of ResNetBlocks in Generative network (default is 9)</a:t>
+            </a:r>
+            <a:endParaRPr b="0" lang="en-US" sz="1800" spc="-1" strike="noStrike">
+              <a:solidFill>
+                <a:srgbClr val="000000"/>
+              </a:solidFill>
+              <a:uFill>
+                <a:solidFill>
+                  <a:srgbClr val="ffffff"/>
+                </a:solidFill>
+              </a:uFill>
+              <a:latin typeface="Arial"/>
+            </a:endParaRPr>
+          </a:p>
+          <a:p>
+            <a:pPr marL="216000" indent="-215640">
+              <a:lnSpc>
+                <a:spcPct val="100000"/>
+              </a:lnSpc>
+              <a:buClr>
+                <a:srgbClr val="000000"/>
+              </a:buClr>
+              <a:buSzPct val="45000"/>
+              <a:buFont typeface="Wingdings" charset="2"/>
+              <a:buChar char=""/>
+            </a:pPr>
+            <a:r>
+              <a:rPr b="0" lang="en-US" sz="2200" spc="-1" strike="noStrike">
+                <a:solidFill>
+                  <a:srgbClr val="000000"/>
+                </a:solidFill>
+                <a:uFill>
+                  <a:solidFill>
+                    <a:srgbClr val="ffffff"/>
+                  </a:solidFill>
+                </a:uFill>
+                <a:latin typeface="Arial"/>
+              </a:rPr>
+              <a:t>the number of downsampling layers in ResNet, consisting of </a:t>
+            </a:r>
+            <a:r>
+              <a:rPr b="0" lang="en-US" sz="2200" spc="-1" strike="noStrike">
+                <a:solidFill>
+                  <a:srgbClr val="000000"/>
+                </a:solidFill>
+                <a:uFill>
+                  <a:solidFill>
+                    <a:srgbClr val="ffffff"/>
+                  </a:solidFill>
+                </a:uFill>
+                <a:latin typeface="Arial"/>
+              </a:rPr>
+              <a:t>Convolution, normalization and Relu (default value is 2)</a:t>
+            </a:r>
+            <a:endParaRPr b="0" lang="en-US" sz="1800" spc="-1" strike="noStrike">
+              <a:solidFill>
+                <a:srgbClr val="000000"/>
+              </a:solidFill>
+              <a:uFill>
+                <a:solidFill>
+                  <a:srgbClr val="ffffff"/>
+                </a:solidFill>
+              </a:uFill>
+              <a:latin typeface="Arial"/>
+            </a:endParaRPr>
+          </a:p>
+          <a:p>
+            <a:pPr marL="216000" indent="-215640">
+              <a:lnSpc>
+                <a:spcPct val="100000"/>
+              </a:lnSpc>
+              <a:buClr>
+                <a:srgbClr val="000000"/>
+              </a:buClr>
+              <a:buSzPct val="45000"/>
+              <a:buFont typeface="Wingdings" charset="2"/>
+              <a:buChar char=""/>
+            </a:pPr>
+            <a:r>
+              <a:rPr b="0" lang="en-US" sz="2200" spc="-1" strike="noStrike">
+                <a:solidFill>
+                  <a:srgbClr val="000000"/>
+                </a:solidFill>
+                <a:uFill>
+                  <a:solidFill>
+                    <a:srgbClr val="ffffff"/>
+                  </a:solidFill>
+                </a:uFill>
+                <a:latin typeface="Arial"/>
+              </a:rPr>
+              <a:t>the number of discriminator layers in Discriminative network (default </a:t>
+            </a:r>
+            <a:r>
+              <a:rPr b="0" lang="en-US" sz="2200" spc="-1" strike="noStrike">
+                <a:solidFill>
+                  <a:srgbClr val="000000"/>
+                </a:solidFill>
+                <a:uFill>
+                  <a:solidFill>
+                    <a:srgbClr val="ffffff"/>
+                  </a:solidFill>
+                </a:uFill>
+                <a:latin typeface="Arial"/>
+              </a:rPr>
+              <a:t>value is 3)</a:t>
+            </a:r>
+            <a:endParaRPr b="0" lang="en-US" sz="1800" spc="-1" strike="noStrike">
+              <a:solidFill>
+                <a:srgbClr val="000000"/>
+              </a:solidFill>
+              <a:uFill>
+                <a:solidFill>
+                  <a:srgbClr val="ffffff"/>
+                </a:solidFill>
+              </a:uFill>
+              <a:latin typeface="Arial"/>
+            </a:endParaRPr>
+          </a:p>
+          <a:p>
+            <a:pPr marL="216000" indent="-215640">
+              <a:lnSpc>
+                <a:spcPct val="100000"/>
+              </a:lnSpc>
+              <a:buClr>
+                <a:srgbClr val="000000"/>
+              </a:buClr>
+              <a:buSzPct val="45000"/>
+              <a:buFont typeface="Wingdings" charset="2"/>
+              <a:buChar char=""/>
+            </a:pPr>
+            <a:r>
+              <a:rPr b="0" lang="en-US" sz="2200" spc="-1" strike="noStrike">
+                <a:solidFill>
+                  <a:srgbClr val="000000"/>
+                </a:solidFill>
+                <a:uFill>
+                  <a:solidFill>
+                    <a:srgbClr val="ffffff"/>
+                  </a:solidFill>
+                </a:uFill>
+                <a:latin typeface="Arial"/>
+              </a:rPr>
+              <a:t>a parameter that affects the number of layer’s outputs of the </a:t>
+            </a:r>
+            <a:r>
+              <a:rPr b="0" lang="en-US" sz="2200" spc="-1" strike="noStrike">
+                <a:solidFill>
+                  <a:srgbClr val="000000"/>
+                </a:solidFill>
+                <a:uFill>
+                  <a:solidFill>
+                    <a:srgbClr val="ffffff"/>
+                  </a:solidFill>
+                </a:uFill>
+                <a:latin typeface="Arial"/>
+              </a:rPr>
+              <a:t>discriminative networks (minimum discriminator layer output default </a:t>
+            </a:r>
+            <a:r>
+              <a:rPr b="0" lang="en-US" sz="2200" spc="-1" strike="noStrike">
+                <a:solidFill>
+                  <a:srgbClr val="000000"/>
+                </a:solidFill>
+                <a:uFill>
+                  <a:solidFill>
+                    <a:srgbClr val="ffffff"/>
+                  </a:solidFill>
+                </a:uFill>
+                <a:latin typeface="Arial"/>
+              </a:rPr>
+              <a:t>value is 8)</a:t>
+            </a:r>
+            <a:endParaRPr b="0" lang="en-US" sz="1800" spc="-1" strike="noStrike">
+              <a:solidFill>
+                <a:srgbClr val="000000"/>
+              </a:solidFill>
+              <a:uFill>
+                <a:solidFill>
+                  <a:srgbClr val="ffffff"/>
+                </a:solidFill>
+              </a:uFill>
+              <a:latin typeface="Arial"/>
+            </a:endParaRPr>
+          </a:p>
+          <a:p>
+            <a:pPr marL="216000" indent="-215640">
+              <a:lnSpc>
+                <a:spcPct val="100000"/>
+              </a:lnSpc>
+              <a:buClr>
+                <a:srgbClr val="000000"/>
+              </a:buClr>
+              <a:buSzPct val="45000"/>
+              <a:buFont typeface="Wingdings" charset="2"/>
+              <a:buChar char=""/>
+            </a:pPr>
+            <a:r>
+              <a:rPr b="0" lang="en-US" sz="2200" spc="-1" strike="noStrike">
+                <a:solidFill>
+                  <a:srgbClr val="000000"/>
+                </a:solidFill>
+                <a:uFill>
+                  <a:solidFill>
+                    <a:srgbClr val="ffffff"/>
+                  </a:solidFill>
+                </a:uFill>
+                <a:latin typeface="Arial"/>
+              </a:rPr>
+              <a:t>the parameters ndf and ngf that affect the number of layers outputs in </a:t>
+            </a:r>
+            <a:r>
+              <a:rPr b="0" lang="en-US" sz="2200" spc="-1" strike="noStrike">
+                <a:solidFill>
+                  <a:srgbClr val="000000"/>
+                </a:solidFill>
+                <a:uFill>
+                  <a:solidFill>
+                    <a:srgbClr val="ffffff"/>
+                  </a:solidFill>
+                </a:uFill>
+                <a:latin typeface="Arial"/>
+              </a:rPr>
+              <a:t>both generative and discriminative networks (default value is 128 and </a:t>
+            </a:r>
+            <a:r>
+              <a:rPr b="0" lang="en-US" sz="2200" spc="-1" strike="noStrike">
+                <a:solidFill>
+                  <a:srgbClr val="000000"/>
+                </a:solidFill>
+                <a:uFill>
+                  <a:solidFill>
+                    <a:srgbClr val="ffffff"/>
+                  </a:solidFill>
+                </a:uFill>
+                <a:latin typeface="Arial"/>
+              </a:rPr>
+              <a:t>128)</a:t>
+            </a:r>
+            <a:endParaRPr b="0" lang="en-US" sz="1800" spc="-1" strike="noStrike">
+              <a:solidFill>
+                <a:srgbClr val="000000"/>
+              </a:solidFill>
+              <a:uFill>
+                <a:solidFill>
+                  <a:srgbClr val="ffffff"/>
+                </a:solidFill>
+              </a:uFill>
+              <a:latin typeface="Arial"/>
+            </a:endParaRPr>
+          </a:p>
+          <a:p>
+            <a:pPr marL="216000" indent="-215640">
+              <a:lnSpc>
+                <a:spcPct val="100000"/>
+              </a:lnSpc>
+              <a:buClr>
+                <a:srgbClr val="000000"/>
+              </a:buClr>
+              <a:buSzPct val="45000"/>
+              <a:buFont typeface="Wingdings" charset="2"/>
+              <a:buChar char=""/>
+            </a:pPr>
+            <a:r>
+              <a:rPr b="0" lang="en-US" sz="2200" spc="-1" strike="noStrike">
+                <a:solidFill>
+                  <a:srgbClr val="000000"/>
+                </a:solidFill>
+                <a:uFill>
+                  <a:solidFill>
+                    <a:srgbClr val="ffffff"/>
+                  </a:solidFill>
+                </a:uFill>
+                <a:latin typeface="Arial"/>
+              </a:rPr>
+              <a:t> </a:t>
+            </a:r>
+            <a:endParaRPr b="0" lang="en-US" sz="1800" spc="-1" strike="noStrike">
+              <a:solidFill>
+                <a:srgbClr val="000000"/>
+              </a:solidFill>
+              <a:uFill>
+                <a:solidFill>
+                  <a:srgbClr val="ffffff"/>
+                </a:solidFill>
+              </a:uFill>
+              <a:latin typeface="Arial"/>
+            </a:endParaRPr>
+          </a:p>
+          <a:p>
+            <a:pPr marL="216000" indent="-215640" algn="ctr">
+              <a:lnSpc>
+                <a:spcPct val="100000"/>
+              </a:lnSpc>
+              <a:buClr>
+                <a:srgbClr val="000000"/>
+              </a:buClr>
+              <a:buFont typeface="Wingdings" charset="2"/>
+              <a:buChar char=""/>
+            </a:pPr>
+            <a:r>
+              <a:rPr b="0" lang="en-US" sz="3200" spc="-1" strike="noStrike">
+                <a:solidFill>
+                  <a:srgbClr val="000000"/>
+                </a:solidFill>
+                <a:uFill>
+                  <a:solidFill>
+                    <a:srgbClr val="ffffff"/>
+                  </a:solidFill>
+                </a:uFill>
+                <a:latin typeface="Arial"/>
+              </a:rPr>
+              <a:t>	</a:t>
+            </a:r>
+            <a:endParaRPr b="0" lang="en-US" sz="1800" spc="-1" strike="noStrike">
+              <a:solidFill>
+                <a:srgbClr val="000000"/>
+              </a:solidFill>
+              <a:uFill>
+                <a:solidFill>
+                  <a:srgbClr val="ffffff"/>
+                </a:solidFill>
+              </a:uFill>
+              <a:latin typeface="Arial"/>
+            </a:endParaRPr>
+          </a:p>
+        </p:txBody>
+      </p:sp>
+      <p:pic>
+        <p:nvPicPr>
+          <p:cNvPr id="65" name="" descr=""/>
+          <p:cNvPicPr/>
+          <p:nvPr/>
+        </p:nvPicPr>
+        <p:blipFill>
+          <a:blip r:embed="rId1"/>
+          <a:stretch/>
+        </p:blipFill>
+        <p:spPr>
+          <a:xfrm>
+            <a:off x="2925000" y="5394960"/>
+            <a:ext cx="4024440" cy="2011680"/>
+          </a:xfrm>
+          <a:prstGeom prst="rect">
+            <a:avLst/>
+          </a:prstGeom>
+          <a:ln>
+            <a:noFill/>
+          </a:ln>
+        </p:spPr>
+      </p:pic>
+    </p:spTree>
+  </p:cSld>
+  <p:timing>
+    <p:tnLst>
+      <p:par>
+        <p:cTn id="17" dur="indefinite" restart="never" nodeType="tmRoot">
+          <p:childTnLst>
+            <p:seq>
+              <p:cTn id="18" nodeType="mainSeq"/>
+              <p:prevCondLst>
+                <p:cond delay="0" evt="onPrev">
+                  <p:tgtEl>
+                    <p:sldTgt/>
+                  </p:tgtEl>
+                </p:cond>
+              </p:prevCondLst>
+              <p:nextCondLst>
+                <p:cond delay="0" evt="onNext">
+                  <p:tgtEl>
+                    <p:sldTgt/>
+                  </p:tgtEl>
+                </p:cond>
+              </p:nextCondLst>
+            </p:seq>
+          </p:childTnLst>
+        </p:cTn>
+      </p:par>
+    </p:tnLst>
+  </p:timing>
 </p:sld>
 </file>
 
